--- a/presentation/VPP_Presentation_EINS.pptx
+++ b/presentation/VPP_Presentation_EINS.pptx
@@ -338,7 +338,7 @@
             <a:fld id="{A32DC80D-291A-4ABB-A78B-0417274A267C}" type="datetime4">
               <a:rPr lang="de-DE"/>
               <a:pPr/>
-              <a:t>9. September 2021</a:t>
+              <a:t>11. September 2021</a:t>
             </a:fld>
             <a:endParaRPr lang="de-DE"/>
           </a:p>
@@ -729,7 +729,7 @@
             <a:fld id="{065B079B-E513-489A-8A1B-D7C78493EA86}" type="datetime4">
               <a:rPr lang="de-DE"/>
               <a:pPr/>
-              <a:t>9. September 2021</a:t>
+              <a:t>10. September 2021</a:t>
             </a:fld>
             <a:endParaRPr lang="de-DE"/>
           </a:p>
@@ -4218,13 +4218,13 @@
               </a:ext>
             </a:extLst>
           </a:blip>
-          <a:srcRect t="9349"/>
+          <a:srcRect l="2995" t="11628" r="8463"/>
           <a:stretch/>
         </p:blipFill>
         <p:spPr>
           <a:xfrm>
-            <a:off x="2432609" y="1484783"/>
-            <a:ext cx="6912768" cy="4699861"/>
+            <a:off x="2639616" y="1495856"/>
+            <a:ext cx="6120680" cy="4581737"/>
           </a:xfrm>
           <a:prstGeom prst="rect">
             <a:avLst/>
@@ -4307,63 +4307,256 @@
           </a:p>
         </p:txBody>
       </p:sp>
-      <mc:AlternateContent xmlns:mc="http://schemas.openxmlformats.org/markup-compatibility/2006" xmlns:a14="http://schemas.microsoft.com/office/drawing/2010/main">
-        <mc:Choice Requires="a14">
+      <mc:AlternateContent xmlns:mc="http://schemas.openxmlformats.org/markup-compatibility/2006">
+        <mc:Choice xmlns:a14="http://schemas.microsoft.com/office/drawing/2010/main" Requires="a14">
           <p:sp>
             <p:nvSpPr>
-              <p:cNvPr id="4" name="Textfeld 3">
+              <p:cNvPr id="5" name="Inhaltsplatzhalter 3">
                 <a:extLst>
                   <a:ext uri="{FF2B5EF4-FFF2-40B4-BE49-F238E27FC236}">
-                    <a16:creationId xmlns:a16="http://schemas.microsoft.com/office/drawing/2014/main" id="{CE064B1A-6B60-41CC-A508-7625FA7C2480}"/>
+                    <a16:creationId xmlns:a16="http://schemas.microsoft.com/office/drawing/2014/main" id="{05F69DE2-820F-4AF1-A9D1-709637B7E9F2}"/>
                   </a:ext>
                 </a:extLst>
               </p:cNvPr>
-              <p:cNvSpPr txBox="1"/>
+              <p:cNvSpPr txBox="1">
+                <a:spLocks/>
+              </p:cNvSpPr>
               <p:nvPr/>
             </p:nvSpPr>
-            <p:spPr>
+            <p:spPr bwMode="auto">
               <a:xfrm>
-                <a:off x="3395700" y="6119020"/>
-                <a:ext cx="5400600" cy="475451"/>
+                <a:off x="3548733" y="6184644"/>
+                <a:ext cx="4680519" cy="540276"/>
               </a:xfrm>
-              <a:prstGeom prst="rect">
+              <a:prstGeom prst="roundRect">
                 <a:avLst/>
               </a:prstGeom>
+              <a:ln w="25400" cap="flat" cmpd="sng" algn="ctr">
+                <a:solidFill>
+                  <a:schemeClr val="accent1"/>
+                </a:solidFill>
+                <a:prstDash val="solid"/>
+                <a:miter lim="800000"/>
+                <a:headEnd/>
+                <a:tailEnd/>
+              </a:ln>
             </p:spPr>
             <p:style>
               <a:lnRef idx="2">
-                <a:schemeClr val="dk1"/>
+                <a:schemeClr val="accent1"/>
               </a:lnRef>
               <a:fillRef idx="1">
                 <a:schemeClr val="lt1"/>
               </a:fillRef>
               <a:effectRef idx="0">
-                <a:schemeClr val="dk1"/>
+                <a:schemeClr val="accent1"/>
               </a:effectRef>
               <a:fontRef idx="minor">
                 <a:schemeClr val="dk1"/>
               </a:fontRef>
             </p:style>
             <p:txBody>
-              <a:bodyPr wrap="square" rtlCol="0">
-                <a:spAutoFit/>
+              <a:bodyPr rot="0" spcFirstLastPara="0" vertOverflow="overflow" horzOverflow="overflow" vert="horz" wrap="square" lIns="91440" tIns="45720" rIns="91440" bIns="45720" numCol="1" spcCol="0" rtlCol="0" fromWordArt="0" anchor="ctr" anchorCtr="0" forceAA="0" compatLnSpc="1">
+                <a:prstTxWarp prst="textNoShape">
+                  <a:avLst/>
+                </a:prstTxWarp>
+                <a:noAutofit/>
               </a:bodyPr>
-              <a:lstStyle/>
+              <a:lstStyle>
+                <a:lvl1pPr marL="180000" indent="0" algn="l" rtl="0" eaLnBrk="1" fontAlgn="base" hangingPunct="1">
+                  <a:lnSpc>
+                    <a:spcPct val="130000"/>
+                  </a:lnSpc>
+                  <a:spcBef>
+                    <a:spcPts val="200"/>
+                  </a:spcBef>
+                  <a:spcAft>
+                    <a:spcPts val="230"/>
+                  </a:spcAft>
+                  <a:buFont typeface="Wingdings" pitchFamily="2" charset="2"/>
+                  <a:buNone/>
+                  <a:defRPr sz="2000" b="1">
+                    <a:solidFill>
+                      <a:schemeClr val="dk1"/>
+                    </a:solidFill>
+                    <a:latin typeface="+mn-lt"/>
+                    <a:ea typeface="+mn-ea"/>
+                    <a:cs typeface="+mn-cs"/>
+                  </a:defRPr>
+                </a:lvl1pPr>
+                <a:lvl2pPr marL="444500" indent="-261938" algn="l" rtl="0" eaLnBrk="1" fontAlgn="base" hangingPunct="1">
+                  <a:lnSpc>
+                    <a:spcPct val="130000"/>
+                  </a:lnSpc>
+                  <a:spcBef>
+                    <a:spcPts val="200"/>
+                  </a:spcBef>
+                  <a:spcAft>
+                    <a:spcPts val="230"/>
+                  </a:spcAft>
+                  <a:buSzPct val="125000"/>
+                  <a:buFont typeface="Arial" pitchFamily="34" charset="0"/>
+                  <a:buChar char="•"/>
+                  <a:defRPr sz="2000">
+                    <a:solidFill>
+                      <a:schemeClr val="dk1"/>
+                    </a:solidFill>
+                    <a:latin typeface="+mn-lt"/>
+                    <a:ea typeface="+mn-ea"/>
+                    <a:cs typeface="+mn-cs"/>
+                  </a:defRPr>
+                </a:lvl2pPr>
+                <a:lvl3pPr marL="576000" indent="-216000" algn="l" rtl="0" eaLnBrk="1" fontAlgn="base" hangingPunct="1">
+                  <a:lnSpc>
+                    <a:spcPct val="130000"/>
+                  </a:lnSpc>
+                  <a:spcBef>
+                    <a:spcPts val="200"/>
+                  </a:spcBef>
+                  <a:spcAft>
+                    <a:spcPts val="230"/>
+                  </a:spcAft>
+                  <a:buFont typeface="Arial" pitchFamily="34" charset="0"/>
+                  <a:buChar char="•"/>
+                  <a:defRPr>
+                    <a:solidFill>
+                      <a:schemeClr val="dk1"/>
+                    </a:solidFill>
+                    <a:latin typeface="+mn-lt"/>
+                    <a:ea typeface="+mn-ea"/>
+                    <a:cs typeface="+mn-cs"/>
+                  </a:defRPr>
+                </a:lvl3pPr>
+                <a:lvl4pPr marL="756000" indent="-173038" algn="l" rtl="0" eaLnBrk="1" fontAlgn="base" hangingPunct="1">
+                  <a:lnSpc>
+                    <a:spcPct val="130000"/>
+                  </a:lnSpc>
+                  <a:spcBef>
+                    <a:spcPts val="200"/>
+                  </a:spcBef>
+                  <a:spcAft>
+                    <a:spcPts val="230"/>
+                  </a:spcAft>
+                  <a:buFont typeface="Arial" pitchFamily="34" charset="0"/>
+                  <a:buChar char="•"/>
+                  <a:defRPr sz="1600">
+                    <a:solidFill>
+                      <a:schemeClr val="dk1"/>
+                    </a:solidFill>
+                    <a:latin typeface="+mn-lt"/>
+                    <a:ea typeface="+mn-ea"/>
+                    <a:cs typeface="+mn-cs"/>
+                  </a:defRPr>
+                </a:lvl4pPr>
+                <a:lvl5pPr marL="972000" indent="-188913" algn="l" rtl="0" eaLnBrk="1" fontAlgn="base" hangingPunct="1">
+                  <a:lnSpc>
+                    <a:spcPct val="130000"/>
+                  </a:lnSpc>
+                  <a:spcBef>
+                    <a:spcPts val="200"/>
+                  </a:spcBef>
+                  <a:spcAft>
+                    <a:spcPts val="230"/>
+                  </a:spcAft>
+                  <a:buFont typeface="Arial" pitchFamily="34" charset="0"/>
+                  <a:buChar char="•"/>
+                  <a:defRPr sz="1600">
+                    <a:solidFill>
+                      <a:schemeClr val="dk1"/>
+                    </a:solidFill>
+                    <a:latin typeface="+mn-lt"/>
+                    <a:ea typeface="+mn-ea"/>
+                    <a:cs typeface="+mn-cs"/>
+                  </a:defRPr>
+                </a:lvl5pPr>
+                <a:lvl6pPr marL="1365250" indent="-188913" algn="l" rtl="0" eaLnBrk="1" fontAlgn="base" hangingPunct="1">
+                  <a:spcBef>
+                    <a:spcPct val="20000"/>
+                  </a:spcBef>
+                  <a:spcAft>
+                    <a:spcPct val="0"/>
+                  </a:spcAft>
+                  <a:buFont typeface="Wingdings" pitchFamily="2" charset="2"/>
+                  <a:buChar char="§"/>
+                  <a:defRPr sz="1600">
+                    <a:solidFill>
+                      <a:schemeClr val="dk1"/>
+                    </a:solidFill>
+                    <a:latin typeface="+mn-lt"/>
+                    <a:ea typeface="+mn-ea"/>
+                    <a:cs typeface="+mn-cs"/>
+                  </a:defRPr>
+                </a:lvl6pPr>
+                <a:lvl7pPr marL="1822450" indent="-188913" algn="l" rtl="0" eaLnBrk="1" fontAlgn="base" hangingPunct="1">
+                  <a:spcBef>
+                    <a:spcPct val="20000"/>
+                  </a:spcBef>
+                  <a:spcAft>
+                    <a:spcPct val="0"/>
+                  </a:spcAft>
+                  <a:buFont typeface="Wingdings" pitchFamily="2" charset="2"/>
+                  <a:buChar char="§"/>
+                  <a:defRPr sz="1600">
+                    <a:solidFill>
+                      <a:schemeClr val="dk1"/>
+                    </a:solidFill>
+                    <a:latin typeface="+mn-lt"/>
+                    <a:ea typeface="+mn-ea"/>
+                    <a:cs typeface="+mn-cs"/>
+                  </a:defRPr>
+                </a:lvl7pPr>
+                <a:lvl8pPr marL="2279650" indent="-188913" algn="l" rtl="0" eaLnBrk="1" fontAlgn="base" hangingPunct="1">
+                  <a:spcBef>
+                    <a:spcPct val="20000"/>
+                  </a:spcBef>
+                  <a:spcAft>
+                    <a:spcPct val="0"/>
+                  </a:spcAft>
+                  <a:buFont typeface="Wingdings" pitchFamily="2" charset="2"/>
+                  <a:buChar char="§"/>
+                  <a:defRPr sz="1600">
+                    <a:solidFill>
+                      <a:schemeClr val="dk1"/>
+                    </a:solidFill>
+                    <a:latin typeface="+mn-lt"/>
+                    <a:ea typeface="+mn-ea"/>
+                    <a:cs typeface="+mn-cs"/>
+                  </a:defRPr>
+                </a:lvl8pPr>
+                <a:lvl9pPr marL="2736850" indent="-188913" algn="l" rtl="0" eaLnBrk="1" fontAlgn="base" hangingPunct="1">
+                  <a:spcBef>
+                    <a:spcPct val="20000"/>
+                  </a:spcBef>
+                  <a:spcAft>
+                    <a:spcPct val="0"/>
+                  </a:spcAft>
+                  <a:buFont typeface="Wingdings" pitchFamily="2" charset="2"/>
+                  <a:buChar char="§"/>
+                  <a:defRPr sz="1600">
+                    <a:solidFill>
+                      <a:schemeClr val="dk1"/>
+                    </a:solidFill>
+                    <a:latin typeface="+mn-lt"/>
+                    <a:ea typeface="+mn-ea"/>
+                    <a:cs typeface="+mn-cs"/>
+                  </a:defRPr>
+                </a:lvl9pPr>
+              </a:lstStyle>
               <a:p>
                 <a:r>
-                  <a:rPr lang="de-DE" sz="2400" b="1" dirty="0">
+                  <a:rPr lang="de-DE" sz="1800" dirty="0">
                     <a:ea typeface="Cambria Math" panose="02040503050406030204" pitchFamily="18" charset="0"/>
                   </a:rPr>
                   <a:t>Scenario </a:t>
                 </a:r>
                 <a:r>
-                  <a:rPr lang="de-DE" sz="2400" b="1" dirty="0" err="1">
+                  <a:rPr lang="de-DE" sz="1800" dirty="0" err="1">
                     <a:ea typeface="Cambria Math" panose="02040503050406030204" pitchFamily="18" charset="0"/>
                   </a:rPr>
                   <a:t>amount</a:t>
                 </a:r>
                 <a:r>
-                  <a:rPr lang="de-DE" sz="2400" b="1" dirty="0">
+                  <a:rPr lang="de-DE" sz="1800" dirty="0">
                     <a:ea typeface="Cambria Math" panose="02040503050406030204" pitchFamily="18" charset="0"/>
                   </a:rPr>
                   <a:t>: </a:t>
@@ -4375,7 +4568,7 @@
                         <m:begChr m:val="|"/>
                         <m:endChr m:val="|"/>
                         <m:ctrlPr>
-                          <a:rPr lang="de-DE" sz="2400" b="1" i="1" smtClean="0">
+                          <a:rPr lang="de-DE" sz="1800" i="1">
                             <a:latin typeface="Cambria Math" panose="02040503050406030204" pitchFamily="18" charset="0"/>
                             <a:ea typeface="Cambria Math" panose="02040503050406030204" pitchFamily="18" charset="0"/>
                           </a:rPr>
@@ -4383,7 +4576,7 @@
                       </m:dPr>
                       <m:e>
                         <m:r>
-                          <a:rPr lang="el-GR" sz="2400" b="1" i="1" smtClean="0">
+                          <a:rPr lang="el-GR" sz="1800" i="1">
                             <a:latin typeface="Cambria Math" panose="02040503050406030204" pitchFamily="18" charset="0"/>
                             <a:ea typeface="Cambria Math" panose="02040503050406030204" pitchFamily="18" charset="0"/>
                           </a:rPr>
@@ -4392,7 +4585,7 @@
                       </m:e>
                     </m:d>
                     <m:r>
-                      <a:rPr lang="de-DE" sz="2400" b="1" i="1" smtClean="0">
+                      <a:rPr lang="de-DE" sz="1800" i="1">
                         <a:latin typeface="Cambria Math" panose="02040503050406030204" pitchFamily="18" charset="0"/>
                       </a:rPr>
                       <m:t>=</m:t>
@@ -4400,7 +4593,7 @@
                     <m:sSup>
                       <m:sSupPr>
                         <m:ctrlPr>
-                          <a:rPr lang="de-DE" sz="2400" b="1" i="1" smtClean="0">
+                          <a:rPr lang="de-DE" sz="1800" i="1">
                             <a:latin typeface="Cambria Math" panose="02040503050406030204" pitchFamily="18" charset="0"/>
                           </a:rPr>
                         </m:ctrlPr>
@@ -4409,20 +4602,20 @@
                         <m:sSub>
                           <m:sSubPr>
                             <m:ctrlPr>
-                              <a:rPr lang="de-DE" sz="2400" b="1" i="1">
+                              <a:rPr lang="de-DE" sz="1800" i="1">
                                 <a:latin typeface="Cambria Math" panose="02040503050406030204" pitchFamily="18" charset="0"/>
                               </a:rPr>
                             </m:ctrlPr>
                           </m:sSubPr>
                           <m:e>
                             <m:r>
-                              <a:rPr lang="de-DE" sz="2400" b="1" i="1">
+                              <a:rPr lang="de-DE" sz="1800" i="1">
                                 <a:latin typeface="Cambria Math" panose="02040503050406030204" pitchFamily="18" charset="0"/>
                               </a:rPr>
                               <m:t>|</m:t>
                             </m:r>
                             <m:r>
-                              <a:rPr lang="de-DE" sz="2400" b="1" i="1">
+                              <a:rPr lang="de-DE" sz="1800" i="1">
                                 <a:latin typeface="Cambria Math" panose="02040503050406030204" pitchFamily="18" charset="0"/>
                               </a:rPr>
                               <m:t>𝒓</m:t>
@@ -4430,7 +4623,7 @@
                           </m:e>
                           <m:sub>
                             <m:r>
-                              <a:rPr lang="de-DE" sz="2400" b="1" i="1">
+                              <a:rPr lang="de-DE" sz="1800" i="1">
                                 <a:latin typeface="Cambria Math" panose="02040503050406030204" pitchFamily="18" charset="0"/>
                               </a:rPr>
                               <m:t>𝒍𝒆𝒗𝒆𝒍𝒔</m:t>
@@ -4438,7 +4631,7 @@
                           </m:sub>
                         </m:sSub>
                         <m:r>
-                          <a:rPr lang="de-DE" sz="2400" b="1" i="1">
+                          <a:rPr lang="de-DE" sz="1800" i="1">
                             <a:latin typeface="Cambria Math" panose="02040503050406030204" pitchFamily="18" charset="0"/>
                           </a:rPr>
                           <m:t>|</m:t>
@@ -4446,19 +4639,19 @@
                       </m:e>
                       <m:sup>
                         <m:r>
-                          <a:rPr lang="de-DE" sz="2400" b="1" i="1" smtClean="0">
+                          <a:rPr lang="de-DE" sz="1800" i="1">
                             <a:latin typeface="Cambria Math" panose="02040503050406030204" pitchFamily="18" charset="0"/>
                           </a:rPr>
                           <m:t>|</m:t>
                         </m:r>
                         <m:r>
-                          <a:rPr lang="de-DE" sz="2400" b="1" i="1" smtClean="0">
+                          <a:rPr lang="de-DE" sz="1800" i="1">
                             <a:latin typeface="Cambria Math" panose="02040503050406030204" pitchFamily="18" charset="0"/>
                           </a:rPr>
                           <m:t>𝑵</m:t>
                         </m:r>
                         <m:r>
-                          <a:rPr lang="de-DE" sz="2400" b="1" i="1" smtClean="0">
+                          <a:rPr lang="de-DE" sz="1800" i="1">
                             <a:latin typeface="Cambria Math" panose="02040503050406030204" pitchFamily="18" charset="0"/>
                           </a:rPr>
                           <m:t>|</m:t>
@@ -4467,18 +4660,18 @@
                     </m:sSup>
                   </m:oMath>
                 </a14:m>
-                <a:endParaRPr lang="de-DE" sz="2400" b="1" dirty="0"/>
+                <a:endParaRPr lang="de-DE" sz="1800" b="0" kern="0" dirty="0"/>
               </a:p>
             </p:txBody>
           </p:sp>
         </mc:Choice>
-        <mc:Fallback xmlns="">
+        <mc:Fallback>
           <p:sp>
             <p:nvSpPr>
-              <p:cNvPr id="4" name="Textfeld 3">
+              <p:cNvPr id="5" name="Inhaltsplatzhalter 3">
                 <a:extLst>
                   <a:ext uri="{FF2B5EF4-FFF2-40B4-BE49-F238E27FC236}">
-                    <a16:creationId xmlns:a16="http://schemas.microsoft.com/office/drawing/2014/main" id="{CE064B1A-6B60-41CC-A508-7625FA7C2480}"/>
+                    <a16:creationId xmlns:a16="http://schemas.microsoft.com/office/drawing/2014/main" id="{05F69DE2-820F-4AF1-A9D1-709637B7E9F2}"/>
                   </a:ext>
                 </a:extLst>
               </p:cNvPr>
@@ -4487,20 +4680,29 @@
               </p:cNvSpPr>
               <p:nvPr/>
             </p:nvSpPr>
-            <p:spPr>
+            <p:spPr bwMode="auto">
               <a:xfrm>
-                <a:off x="3395700" y="6119020"/>
-                <a:ext cx="5400600" cy="475451"/>
+                <a:off x="3548733" y="6184644"/>
+                <a:ext cx="4680519" cy="540276"/>
               </a:xfrm>
-              <a:prstGeom prst="rect">
+              <a:prstGeom prst="roundRect">
                 <a:avLst/>
               </a:prstGeom>
               <a:blipFill>
                 <a:blip r:embed="rId3"/>
                 <a:stretch>
-                  <a:fillRect l="-1461" t="-3659" b="-25610"/>
+                  <a:fillRect b="-5435"/>
                 </a:stretch>
               </a:blipFill>
+              <a:ln w="25400" cap="flat" cmpd="sng" algn="ctr">
+                <a:solidFill>
+                  <a:schemeClr val="accent1"/>
+                </a:solidFill>
+                <a:prstDash val="solid"/>
+                <a:miter lim="800000"/>
+                <a:headEnd/>
+                <a:tailEnd/>
+              </a:ln>
             </p:spPr>
             <p:txBody>
               <a:bodyPr/>
@@ -6926,8 +7128,8 @@
           </a:p>
         </p:txBody>
       </p:sp>
-      <mc:AlternateContent xmlns:mc="http://schemas.openxmlformats.org/markup-compatibility/2006">
-        <mc:Choice xmlns:a14="http://schemas.microsoft.com/office/drawing/2010/main" Requires="a14">
+      <mc:AlternateContent xmlns:mc="http://schemas.openxmlformats.org/markup-compatibility/2006" xmlns:a14="http://schemas.microsoft.com/office/drawing/2010/main">
+        <mc:Choice Requires="a14">
           <p:sp>
             <p:nvSpPr>
               <p:cNvPr id="3" name="Inhaltsplatzhalter 2">
@@ -7495,7 +7697,7 @@
             </p:txBody>
           </p:sp>
         </mc:Choice>
-        <mc:Fallback>
+        <mc:Fallback xmlns="">
           <p:sp>
             <p:nvSpPr>
               <p:cNvPr id="3" name="Inhaltsplatzhalter 2">
@@ -11615,236 +11817,6 @@
           </a:p>
         </p:txBody>
       </p:sp>
-      <mc:AlternateContent xmlns:mc="http://schemas.openxmlformats.org/markup-compatibility/2006" xmlns:a14="http://schemas.microsoft.com/office/drawing/2010/main">
-        <mc:Choice Requires="a14">
-          <p:sp>
-            <p:nvSpPr>
-              <p:cNvPr id="5" name="Textfeld 4">
-                <a:extLst>
-                  <a:ext uri="{FF2B5EF4-FFF2-40B4-BE49-F238E27FC236}">
-                    <a16:creationId xmlns:a16="http://schemas.microsoft.com/office/drawing/2014/main" id="{61ED8691-4709-4311-AADE-0FD7D8771C90}"/>
-                  </a:ext>
-                </a:extLst>
-              </p:cNvPr>
-              <p:cNvSpPr txBox="1"/>
-              <p:nvPr/>
-            </p:nvSpPr>
-            <p:spPr>
-              <a:xfrm>
-                <a:off x="1775520" y="5805264"/>
-                <a:ext cx="8136904" cy="369332"/>
-              </a:xfrm>
-              <a:prstGeom prst="rect">
-                <a:avLst/>
-              </a:prstGeom>
-            </p:spPr>
-            <p:style>
-              <a:lnRef idx="2">
-                <a:schemeClr val="dk1"/>
-              </a:lnRef>
-              <a:fillRef idx="1">
-                <a:schemeClr val="lt1"/>
-              </a:fillRef>
-              <a:effectRef idx="0">
-                <a:schemeClr val="dk1"/>
-              </a:effectRef>
-              <a:fontRef idx="minor">
-                <a:schemeClr val="dk1"/>
-              </a:fontRef>
-            </p:style>
-            <p:txBody>
-              <a:bodyPr wrap="square" rtlCol="0">
-                <a:spAutoFit/>
-              </a:bodyPr>
-              <a:lstStyle/>
-              <a:p>
-                <a14:m>
-                  <m:oMath xmlns:m="http://schemas.openxmlformats.org/officeDocument/2006/math">
-                    <m:sSub>
-                      <m:sSubPr>
-                        <m:ctrlPr>
-                          <a:rPr lang="de-DE" i="1" smtClean="0">
-                            <a:latin typeface="Cambria Math" panose="02040503050406030204" pitchFamily="18" charset="0"/>
-                          </a:rPr>
-                        </m:ctrlPr>
-                      </m:sSubPr>
-                      <m:e>
-                        <m:r>
-                          <a:rPr lang="de-DE" b="0" i="1" smtClean="0">
-                            <a:latin typeface="Cambria Math" panose="02040503050406030204" pitchFamily="18" charset="0"/>
-                          </a:rPr>
-                          <m:t>𝑟</m:t>
-                        </m:r>
-                      </m:e>
-                      <m:sub>
-                        <m:r>
-                          <a:rPr lang="de-DE" b="0" i="1" smtClean="0">
-                            <a:latin typeface="Cambria Math" panose="02040503050406030204" pitchFamily="18" charset="0"/>
-                          </a:rPr>
-                          <m:t>𝑙𝑒𝑣𝑒𝑙𝑠</m:t>
-                        </m:r>
-                      </m:sub>
-                    </m:sSub>
-                    <m:r>
-                      <a:rPr lang="de-DE" b="0" i="1" smtClean="0">
-                        <a:latin typeface="Cambria Math" panose="02040503050406030204" pitchFamily="18" charset="0"/>
-                      </a:rPr>
-                      <m:t>=[0.4 0.5 0.6]</m:t>
-                    </m:r>
-                  </m:oMath>
-                </a14:m>
-                <a:r>
-                  <a:rPr lang="de-DE" dirty="0"/>
-                  <a:t>			</a:t>
-                </a:r>
-                <a14:m>
-                  <m:oMath xmlns:m="http://schemas.openxmlformats.org/officeDocument/2006/math">
-                    <m:sSub>
-                      <m:sSubPr>
-                        <m:ctrlPr>
-                          <a:rPr lang="de-DE" i="1" smtClean="0">
-                            <a:latin typeface="Cambria Math" panose="02040503050406030204" pitchFamily="18" charset="0"/>
-                          </a:rPr>
-                        </m:ctrlPr>
-                      </m:sSubPr>
-                      <m:e>
-                        <m:r>
-                          <a:rPr lang="de-DE" b="0" i="1" smtClean="0">
-                            <a:latin typeface="Cambria Math" panose="02040503050406030204" pitchFamily="18" charset="0"/>
-                          </a:rPr>
-                          <m:t>𝑝</m:t>
-                        </m:r>
-                      </m:e>
-                      <m:sub>
-                        <m:r>
-                          <a:rPr lang="de-DE" b="0" i="1" smtClean="0">
-                            <a:latin typeface="Cambria Math" panose="02040503050406030204" pitchFamily="18" charset="0"/>
-                          </a:rPr>
-                          <m:t>𝑉𝑃𝑃</m:t>
-                        </m:r>
-                      </m:sub>
-                    </m:sSub>
-                    <m:r>
-                      <a:rPr lang="de-DE" b="0" i="1" smtClean="0">
-                        <a:latin typeface="Cambria Math" panose="02040503050406030204" pitchFamily="18" charset="0"/>
-                      </a:rPr>
-                      <m:t>=0.2</m:t>
-                    </m:r>
-                    <m:nary>
-                      <m:naryPr>
-                        <m:chr m:val="∑"/>
-                        <m:supHide m:val="on"/>
-                        <m:ctrlPr>
-                          <a:rPr lang="de-DE" i="1">
-                            <a:latin typeface="Cambria Math" panose="02040503050406030204" pitchFamily="18" charset="0"/>
-                          </a:rPr>
-                        </m:ctrlPr>
-                      </m:naryPr>
-                      <m:sub>
-                        <m:r>
-                          <m:rPr>
-                            <m:brk m:alnAt="7"/>
-                          </m:rPr>
-                          <a:rPr lang="de-DE" i="1">
-                            <a:latin typeface="Cambria Math" panose="02040503050406030204" pitchFamily="18" charset="0"/>
-                          </a:rPr>
-                          <m:t>𝑛</m:t>
-                        </m:r>
-                        <m:r>
-                          <a:rPr lang="de-DE" i="1">
-                            <a:latin typeface="Cambria Math" panose="02040503050406030204" pitchFamily="18" charset="0"/>
-                            <a:ea typeface="Cambria Math" panose="02040503050406030204" pitchFamily="18" charset="0"/>
-                          </a:rPr>
-                          <m:t>∈</m:t>
-                        </m:r>
-                        <m:r>
-                          <a:rPr lang="de-DE" i="1">
-                            <a:latin typeface="Cambria Math" panose="02040503050406030204" pitchFamily="18" charset="0"/>
-                          </a:rPr>
-                          <m:t>𝑁</m:t>
-                        </m:r>
-                      </m:sub>
-                      <m:sup/>
-                      <m:e>
-                        <m:sSub>
-                          <m:sSubPr>
-                            <m:ctrlPr>
-                              <a:rPr lang="de-DE" i="1">
-                                <a:latin typeface="Cambria Math" panose="02040503050406030204" pitchFamily="18" charset="0"/>
-                              </a:rPr>
-                            </m:ctrlPr>
-                          </m:sSubPr>
-                          <m:e>
-                            <m:r>
-                              <a:rPr lang="de-DE" i="1">
-                                <a:latin typeface="Cambria Math" panose="02040503050406030204" pitchFamily="18" charset="0"/>
-                              </a:rPr>
-                              <m:t>𝑝</m:t>
-                            </m:r>
-                          </m:e>
-                          <m:sub>
-                            <m:r>
-                              <a:rPr lang="de-DE" i="1">
-                                <a:latin typeface="Cambria Math" panose="02040503050406030204" pitchFamily="18" charset="0"/>
-                              </a:rPr>
-                              <m:t>𝑛</m:t>
-                            </m:r>
-                          </m:sub>
-                        </m:sSub>
-                      </m:e>
-                    </m:nary>
-                  </m:oMath>
-                </a14:m>
-                <a:endParaRPr lang="de-DE" dirty="0"/>
-              </a:p>
-            </p:txBody>
-          </p:sp>
-        </mc:Choice>
-        <mc:Fallback xmlns="">
-          <p:sp>
-            <p:nvSpPr>
-              <p:cNvPr id="5" name="Textfeld 4">
-                <a:extLst>
-                  <a:ext uri="{FF2B5EF4-FFF2-40B4-BE49-F238E27FC236}">
-                    <a16:creationId xmlns:a16="http://schemas.microsoft.com/office/drawing/2014/main" id="{61ED8691-4709-4311-AADE-0FD7D8771C90}"/>
-                  </a:ext>
-                </a:extLst>
-              </p:cNvPr>
-              <p:cNvSpPr txBox="1">
-                <a:spLocks noRot="1" noChangeAspect="1" noMove="1" noResize="1" noEditPoints="1" noAdjustHandles="1" noChangeArrowheads="1" noChangeShapeType="1" noTextEdit="1"/>
-              </p:cNvSpPr>
-              <p:nvPr/>
-            </p:nvSpPr>
-            <p:spPr>
-              <a:xfrm>
-                <a:off x="1775520" y="5805264"/>
-                <a:ext cx="8136904" cy="369332"/>
-              </a:xfrm>
-              <a:prstGeom prst="rect">
-                <a:avLst/>
-              </a:prstGeom>
-              <a:blipFill>
-                <a:blip r:embed="rId3"/>
-                <a:stretch>
-                  <a:fillRect t="-107692" b="-170769"/>
-                </a:stretch>
-              </a:blipFill>
-            </p:spPr>
-            <p:txBody>
-              <a:bodyPr/>
-              <a:lstStyle/>
-              <a:p>
-                <a:r>
-                  <a:rPr lang="de-DE">
-                    <a:noFill/>
-                  </a:rPr>
-                  <a:t> </a:t>
-                </a:r>
-              </a:p>
-            </p:txBody>
-          </p:sp>
-        </mc:Fallback>
-      </mc:AlternateContent>
       <p:pic>
         <p:nvPicPr>
           <p:cNvPr id="4" name="Grafik 3">
@@ -11860,7 +11832,7 @@
           <p:nvPr/>
         </p:nvPicPr>
         <p:blipFill rotWithShape="1">
-          <a:blip r:embed="rId4">
+          <a:blip r:embed="rId2">
             <a:extLst>
               <a:ext uri="{28A0092B-C50C-407E-A947-70E740481C1C}">
                 <a14:useLocalDpi xmlns:a14="http://schemas.microsoft.com/office/drawing/2010/main" val="0"/>
@@ -11872,14 +11844,446 @@
         </p:blipFill>
         <p:spPr>
           <a:xfrm>
-            <a:off x="1415480" y="2204864"/>
-            <a:ext cx="10369152" cy="3483428"/>
+            <a:off x="32542" y="1628799"/>
+            <a:ext cx="11968113" cy="4020585"/>
           </a:xfrm>
           <a:prstGeom prst="rect">
             <a:avLst/>
           </a:prstGeom>
         </p:spPr>
       </p:pic>
+      <mc:AlternateContent xmlns:mc="http://schemas.openxmlformats.org/markup-compatibility/2006">
+        <mc:Choice xmlns:a14="http://schemas.microsoft.com/office/drawing/2010/main" Requires="a14">
+          <p:sp>
+            <p:nvSpPr>
+              <p:cNvPr id="6" name="Inhaltsplatzhalter 3">
+                <a:extLst>
+                  <a:ext uri="{FF2B5EF4-FFF2-40B4-BE49-F238E27FC236}">
+                    <a16:creationId xmlns:a16="http://schemas.microsoft.com/office/drawing/2014/main" id="{98E32357-DE07-4CB2-9A48-C775A249E9D8}"/>
+                  </a:ext>
+                </a:extLst>
+              </p:cNvPr>
+              <p:cNvSpPr txBox="1">
+                <a:spLocks/>
+              </p:cNvSpPr>
+              <p:nvPr/>
+            </p:nvSpPr>
+            <p:spPr bwMode="auto">
+              <a:xfrm>
+                <a:off x="2063552" y="5798286"/>
+                <a:ext cx="7515819" cy="540276"/>
+              </a:xfrm>
+              <a:prstGeom prst="roundRect">
+                <a:avLst/>
+              </a:prstGeom>
+              <a:ln w="25400" cap="flat" cmpd="sng" algn="ctr">
+                <a:solidFill>
+                  <a:schemeClr val="accent1"/>
+                </a:solidFill>
+                <a:prstDash val="solid"/>
+                <a:miter lim="800000"/>
+                <a:headEnd/>
+                <a:tailEnd/>
+              </a:ln>
+            </p:spPr>
+            <p:style>
+              <a:lnRef idx="2">
+                <a:schemeClr val="accent1"/>
+              </a:lnRef>
+              <a:fillRef idx="1">
+                <a:schemeClr val="lt1"/>
+              </a:fillRef>
+              <a:effectRef idx="0">
+                <a:schemeClr val="accent1"/>
+              </a:effectRef>
+              <a:fontRef idx="minor">
+                <a:schemeClr val="dk1"/>
+              </a:fontRef>
+            </p:style>
+            <p:txBody>
+              <a:bodyPr rot="0" spcFirstLastPara="0" vertOverflow="overflow" horzOverflow="overflow" vert="horz" wrap="square" lIns="91440" tIns="45720" rIns="91440" bIns="45720" numCol="1" spcCol="0" rtlCol="0" fromWordArt="0" anchor="ctr" anchorCtr="0" forceAA="0" compatLnSpc="1">
+                <a:prstTxWarp prst="textNoShape">
+                  <a:avLst/>
+                </a:prstTxWarp>
+                <a:noAutofit/>
+              </a:bodyPr>
+              <a:lstStyle>
+                <a:lvl1pPr marL="180000" indent="0" algn="l" rtl="0" eaLnBrk="1" fontAlgn="base" hangingPunct="1">
+                  <a:lnSpc>
+                    <a:spcPct val="130000"/>
+                  </a:lnSpc>
+                  <a:spcBef>
+                    <a:spcPts val="200"/>
+                  </a:spcBef>
+                  <a:spcAft>
+                    <a:spcPts val="230"/>
+                  </a:spcAft>
+                  <a:buFont typeface="Wingdings" pitchFamily="2" charset="2"/>
+                  <a:buNone/>
+                  <a:defRPr sz="2000" b="1">
+                    <a:solidFill>
+                      <a:schemeClr val="dk1"/>
+                    </a:solidFill>
+                    <a:latin typeface="+mn-lt"/>
+                    <a:ea typeface="+mn-ea"/>
+                    <a:cs typeface="+mn-cs"/>
+                  </a:defRPr>
+                </a:lvl1pPr>
+                <a:lvl2pPr marL="444500" indent="-261938" algn="l" rtl="0" eaLnBrk="1" fontAlgn="base" hangingPunct="1">
+                  <a:lnSpc>
+                    <a:spcPct val="130000"/>
+                  </a:lnSpc>
+                  <a:spcBef>
+                    <a:spcPts val="200"/>
+                  </a:spcBef>
+                  <a:spcAft>
+                    <a:spcPts val="230"/>
+                  </a:spcAft>
+                  <a:buSzPct val="125000"/>
+                  <a:buFont typeface="Arial" pitchFamily="34" charset="0"/>
+                  <a:buChar char="•"/>
+                  <a:defRPr sz="2000">
+                    <a:solidFill>
+                      <a:schemeClr val="dk1"/>
+                    </a:solidFill>
+                    <a:latin typeface="+mn-lt"/>
+                    <a:ea typeface="+mn-ea"/>
+                    <a:cs typeface="+mn-cs"/>
+                  </a:defRPr>
+                </a:lvl2pPr>
+                <a:lvl3pPr marL="576000" indent="-216000" algn="l" rtl="0" eaLnBrk="1" fontAlgn="base" hangingPunct="1">
+                  <a:lnSpc>
+                    <a:spcPct val="130000"/>
+                  </a:lnSpc>
+                  <a:spcBef>
+                    <a:spcPts val="200"/>
+                  </a:spcBef>
+                  <a:spcAft>
+                    <a:spcPts val="230"/>
+                  </a:spcAft>
+                  <a:buFont typeface="Arial" pitchFamily="34" charset="0"/>
+                  <a:buChar char="•"/>
+                  <a:defRPr>
+                    <a:solidFill>
+                      <a:schemeClr val="dk1"/>
+                    </a:solidFill>
+                    <a:latin typeface="+mn-lt"/>
+                    <a:ea typeface="+mn-ea"/>
+                    <a:cs typeface="+mn-cs"/>
+                  </a:defRPr>
+                </a:lvl3pPr>
+                <a:lvl4pPr marL="756000" indent="-173038" algn="l" rtl="0" eaLnBrk="1" fontAlgn="base" hangingPunct="1">
+                  <a:lnSpc>
+                    <a:spcPct val="130000"/>
+                  </a:lnSpc>
+                  <a:spcBef>
+                    <a:spcPts val="200"/>
+                  </a:spcBef>
+                  <a:spcAft>
+                    <a:spcPts val="230"/>
+                  </a:spcAft>
+                  <a:buFont typeface="Arial" pitchFamily="34" charset="0"/>
+                  <a:buChar char="•"/>
+                  <a:defRPr sz="1600">
+                    <a:solidFill>
+                      <a:schemeClr val="dk1"/>
+                    </a:solidFill>
+                    <a:latin typeface="+mn-lt"/>
+                    <a:ea typeface="+mn-ea"/>
+                    <a:cs typeface="+mn-cs"/>
+                  </a:defRPr>
+                </a:lvl4pPr>
+                <a:lvl5pPr marL="972000" indent="-188913" algn="l" rtl="0" eaLnBrk="1" fontAlgn="base" hangingPunct="1">
+                  <a:lnSpc>
+                    <a:spcPct val="130000"/>
+                  </a:lnSpc>
+                  <a:spcBef>
+                    <a:spcPts val="200"/>
+                  </a:spcBef>
+                  <a:spcAft>
+                    <a:spcPts val="230"/>
+                  </a:spcAft>
+                  <a:buFont typeface="Arial" pitchFamily="34" charset="0"/>
+                  <a:buChar char="•"/>
+                  <a:defRPr sz="1600">
+                    <a:solidFill>
+                      <a:schemeClr val="dk1"/>
+                    </a:solidFill>
+                    <a:latin typeface="+mn-lt"/>
+                    <a:ea typeface="+mn-ea"/>
+                    <a:cs typeface="+mn-cs"/>
+                  </a:defRPr>
+                </a:lvl5pPr>
+                <a:lvl6pPr marL="1365250" indent="-188913" algn="l" rtl="0" eaLnBrk="1" fontAlgn="base" hangingPunct="1">
+                  <a:spcBef>
+                    <a:spcPct val="20000"/>
+                  </a:spcBef>
+                  <a:spcAft>
+                    <a:spcPct val="0"/>
+                  </a:spcAft>
+                  <a:buFont typeface="Wingdings" pitchFamily="2" charset="2"/>
+                  <a:buChar char="§"/>
+                  <a:defRPr sz="1600">
+                    <a:solidFill>
+                      <a:schemeClr val="dk1"/>
+                    </a:solidFill>
+                    <a:latin typeface="+mn-lt"/>
+                    <a:ea typeface="+mn-ea"/>
+                    <a:cs typeface="+mn-cs"/>
+                  </a:defRPr>
+                </a:lvl6pPr>
+                <a:lvl7pPr marL="1822450" indent="-188913" algn="l" rtl="0" eaLnBrk="1" fontAlgn="base" hangingPunct="1">
+                  <a:spcBef>
+                    <a:spcPct val="20000"/>
+                  </a:spcBef>
+                  <a:spcAft>
+                    <a:spcPct val="0"/>
+                  </a:spcAft>
+                  <a:buFont typeface="Wingdings" pitchFamily="2" charset="2"/>
+                  <a:buChar char="§"/>
+                  <a:defRPr sz="1600">
+                    <a:solidFill>
+                      <a:schemeClr val="dk1"/>
+                    </a:solidFill>
+                    <a:latin typeface="+mn-lt"/>
+                    <a:ea typeface="+mn-ea"/>
+                    <a:cs typeface="+mn-cs"/>
+                  </a:defRPr>
+                </a:lvl7pPr>
+                <a:lvl8pPr marL="2279650" indent="-188913" algn="l" rtl="0" eaLnBrk="1" fontAlgn="base" hangingPunct="1">
+                  <a:spcBef>
+                    <a:spcPct val="20000"/>
+                  </a:spcBef>
+                  <a:spcAft>
+                    <a:spcPct val="0"/>
+                  </a:spcAft>
+                  <a:buFont typeface="Wingdings" pitchFamily="2" charset="2"/>
+                  <a:buChar char="§"/>
+                  <a:defRPr sz="1600">
+                    <a:solidFill>
+                      <a:schemeClr val="dk1"/>
+                    </a:solidFill>
+                    <a:latin typeface="+mn-lt"/>
+                    <a:ea typeface="+mn-ea"/>
+                    <a:cs typeface="+mn-cs"/>
+                  </a:defRPr>
+                </a:lvl8pPr>
+                <a:lvl9pPr marL="2736850" indent="-188913" algn="l" rtl="0" eaLnBrk="1" fontAlgn="base" hangingPunct="1">
+                  <a:spcBef>
+                    <a:spcPct val="20000"/>
+                  </a:spcBef>
+                  <a:spcAft>
+                    <a:spcPct val="0"/>
+                  </a:spcAft>
+                  <a:buFont typeface="Wingdings" pitchFamily="2" charset="2"/>
+                  <a:buChar char="§"/>
+                  <a:defRPr sz="1600">
+                    <a:solidFill>
+                      <a:schemeClr val="dk1"/>
+                    </a:solidFill>
+                    <a:latin typeface="+mn-lt"/>
+                    <a:ea typeface="+mn-ea"/>
+                    <a:cs typeface="+mn-cs"/>
+                  </a:defRPr>
+                </a:lvl9pPr>
+              </a:lstStyle>
+              <a:p>
+                <a14:m>
+                  <m:oMath xmlns:m="http://schemas.openxmlformats.org/officeDocument/2006/math">
+                    <m:sSub>
+                      <m:sSubPr>
+                        <m:ctrlPr>
+                          <a:rPr lang="de-DE" sz="1800" i="1">
+                            <a:latin typeface="Cambria Math" panose="02040503050406030204" pitchFamily="18" charset="0"/>
+                          </a:rPr>
+                        </m:ctrlPr>
+                      </m:sSubPr>
+                      <m:e>
+                        <m:r>
+                          <a:rPr lang="de-DE" sz="1800" b="0" i="1">
+                            <a:latin typeface="Cambria Math" panose="02040503050406030204" pitchFamily="18" charset="0"/>
+                          </a:rPr>
+                          <m:t>𝑟</m:t>
+                        </m:r>
+                      </m:e>
+                      <m:sub>
+                        <m:r>
+                          <a:rPr lang="de-DE" sz="1800" b="0" i="1">
+                            <a:latin typeface="Cambria Math" panose="02040503050406030204" pitchFamily="18" charset="0"/>
+                          </a:rPr>
+                          <m:t>𝑙𝑒𝑣𝑒𝑙𝑠</m:t>
+                        </m:r>
+                      </m:sub>
+                    </m:sSub>
+                    <m:r>
+                      <a:rPr lang="de-DE" sz="1800" b="0" i="1">
+                        <a:latin typeface="Cambria Math" panose="02040503050406030204" pitchFamily="18" charset="0"/>
+                      </a:rPr>
+                      <m:t>=[0.4 0.5 0.6]</m:t>
+                    </m:r>
+                  </m:oMath>
+                </a14:m>
+                <a:r>
+                  <a:rPr lang="de-DE" sz="1800" dirty="0"/>
+                  <a:t>			</a:t>
+                </a:r>
+                <a14:m>
+                  <m:oMath xmlns:m="http://schemas.openxmlformats.org/officeDocument/2006/math">
+                    <m:sSub>
+                      <m:sSubPr>
+                        <m:ctrlPr>
+                          <a:rPr lang="de-DE" sz="1800" i="1">
+                            <a:latin typeface="Cambria Math" panose="02040503050406030204" pitchFamily="18" charset="0"/>
+                          </a:rPr>
+                        </m:ctrlPr>
+                      </m:sSubPr>
+                      <m:e>
+                        <m:r>
+                          <a:rPr lang="de-DE" sz="1800" b="0" i="1">
+                            <a:latin typeface="Cambria Math" panose="02040503050406030204" pitchFamily="18" charset="0"/>
+                          </a:rPr>
+                          <m:t>𝑝</m:t>
+                        </m:r>
+                      </m:e>
+                      <m:sub>
+                        <m:r>
+                          <a:rPr lang="de-DE" sz="1800" b="0" i="1">
+                            <a:latin typeface="Cambria Math" panose="02040503050406030204" pitchFamily="18" charset="0"/>
+                          </a:rPr>
+                          <m:t>𝑉𝑃𝑃</m:t>
+                        </m:r>
+                      </m:sub>
+                    </m:sSub>
+                    <m:r>
+                      <a:rPr lang="de-DE" sz="1800" b="0" i="1">
+                        <a:latin typeface="Cambria Math" panose="02040503050406030204" pitchFamily="18" charset="0"/>
+                      </a:rPr>
+                      <m:t>=0.2</m:t>
+                    </m:r>
+                    <m:nary>
+                      <m:naryPr>
+                        <m:chr m:val="∑"/>
+                        <m:supHide m:val="on"/>
+                        <m:ctrlPr>
+                          <a:rPr lang="de-DE" sz="1800" i="1">
+                            <a:latin typeface="Cambria Math" panose="02040503050406030204" pitchFamily="18" charset="0"/>
+                          </a:rPr>
+                        </m:ctrlPr>
+                      </m:naryPr>
+                      <m:sub>
+                        <m:r>
+                          <m:rPr>
+                            <m:brk m:alnAt="7"/>
+                          </m:rPr>
+                          <a:rPr lang="de-DE" sz="1800" i="1">
+                            <a:latin typeface="Cambria Math" panose="02040503050406030204" pitchFamily="18" charset="0"/>
+                          </a:rPr>
+                          <m:t>𝑛</m:t>
+                        </m:r>
+                        <m:r>
+                          <a:rPr lang="de-DE" sz="1800" i="1">
+                            <a:latin typeface="Cambria Math" panose="02040503050406030204" pitchFamily="18" charset="0"/>
+                            <a:ea typeface="Cambria Math" panose="02040503050406030204" pitchFamily="18" charset="0"/>
+                          </a:rPr>
+                          <m:t>∈</m:t>
+                        </m:r>
+                        <m:r>
+                          <a:rPr lang="de-DE" sz="1800" i="1">
+                            <a:latin typeface="Cambria Math" panose="02040503050406030204" pitchFamily="18" charset="0"/>
+                          </a:rPr>
+                          <m:t>𝑁</m:t>
+                        </m:r>
+                      </m:sub>
+                      <m:sup/>
+                      <m:e>
+                        <m:sSub>
+                          <m:sSubPr>
+                            <m:ctrlPr>
+                              <a:rPr lang="de-DE" sz="1800" i="1">
+                                <a:latin typeface="Cambria Math" panose="02040503050406030204" pitchFamily="18" charset="0"/>
+                              </a:rPr>
+                            </m:ctrlPr>
+                          </m:sSubPr>
+                          <m:e>
+                            <m:r>
+                              <a:rPr lang="de-DE" sz="1800" i="1">
+                                <a:latin typeface="Cambria Math" panose="02040503050406030204" pitchFamily="18" charset="0"/>
+                              </a:rPr>
+                              <m:t>𝑝</m:t>
+                            </m:r>
+                          </m:e>
+                          <m:sub>
+                            <m:r>
+                              <a:rPr lang="de-DE" sz="1800" i="1">
+                                <a:latin typeface="Cambria Math" panose="02040503050406030204" pitchFamily="18" charset="0"/>
+                              </a:rPr>
+                              <m:t>𝑛</m:t>
+                            </m:r>
+                          </m:sub>
+                        </m:sSub>
+                      </m:e>
+                    </m:nary>
+                  </m:oMath>
+                </a14:m>
+                <a:endParaRPr lang="de-DE" sz="1800" dirty="0"/>
+              </a:p>
+            </p:txBody>
+          </p:sp>
+        </mc:Choice>
+        <mc:Fallback>
+          <p:sp>
+            <p:nvSpPr>
+              <p:cNvPr id="6" name="Inhaltsplatzhalter 3">
+                <a:extLst>
+                  <a:ext uri="{FF2B5EF4-FFF2-40B4-BE49-F238E27FC236}">
+                    <a16:creationId xmlns:a16="http://schemas.microsoft.com/office/drawing/2014/main" id="{98E32357-DE07-4CB2-9A48-C775A249E9D8}"/>
+                  </a:ext>
+                </a:extLst>
+              </p:cNvPr>
+              <p:cNvSpPr txBox="1">
+                <a:spLocks noRot="1" noChangeAspect="1" noMove="1" noResize="1" noEditPoints="1" noAdjustHandles="1" noChangeArrowheads="1" noChangeShapeType="1" noTextEdit="1"/>
+              </p:cNvSpPr>
+              <p:nvPr/>
+            </p:nvSpPr>
+            <p:spPr bwMode="auto">
+              <a:xfrm>
+                <a:off x="2063552" y="5798286"/>
+                <a:ext cx="7515819" cy="540276"/>
+              </a:xfrm>
+              <a:prstGeom prst="roundRect">
+                <a:avLst/>
+              </a:prstGeom>
+              <a:blipFill>
+                <a:blip r:embed="rId3"/>
+                <a:stretch>
+                  <a:fillRect t="-54839" b="-109677"/>
+                </a:stretch>
+              </a:blipFill>
+              <a:ln w="25400" cap="flat" cmpd="sng" algn="ctr">
+                <a:solidFill>
+                  <a:schemeClr val="accent1"/>
+                </a:solidFill>
+                <a:prstDash val="solid"/>
+                <a:miter lim="800000"/>
+                <a:headEnd/>
+                <a:tailEnd/>
+              </a:ln>
+            </p:spPr>
+            <p:txBody>
+              <a:bodyPr/>
+              <a:lstStyle/>
+              <a:p>
+                <a:r>
+                  <a:rPr lang="de-DE">
+                    <a:noFill/>
+                  </a:rPr>
+                  <a:t> </a:t>
+                </a:r>
+              </a:p>
+            </p:txBody>
+          </p:sp>
+        </mc:Fallback>
+      </mc:AlternateContent>
     </p:spTree>
     <p:extLst>
       <p:ext uri="{BB962C8B-B14F-4D97-AF65-F5344CB8AC3E}">
@@ -12035,236 +12439,6 @@
           </a:p>
         </p:txBody>
       </p:sp>
-      <mc:AlternateContent xmlns:mc="http://schemas.openxmlformats.org/markup-compatibility/2006" xmlns:a14="http://schemas.microsoft.com/office/drawing/2010/main">
-        <mc:Choice Requires="a14">
-          <p:sp>
-            <p:nvSpPr>
-              <p:cNvPr id="5" name="Textfeld 4">
-                <a:extLst>
-                  <a:ext uri="{FF2B5EF4-FFF2-40B4-BE49-F238E27FC236}">
-                    <a16:creationId xmlns:a16="http://schemas.microsoft.com/office/drawing/2014/main" id="{A93E0594-905A-49B5-9E5C-048D1C931095}"/>
-                  </a:ext>
-                </a:extLst>
-              </p:cNvPr>
-              <p:cNvSpPr txBox="1"/>
-              <p:nvPr/>
-            </p:nvSpPr>
-            <p:spPr>
-              <a:xfrm>
-                <a:off x="1775520" y="5805264"/>
-                <a:ext cx="8136904" cy="369332"/>
-              </a:xfrm>
-              <a:prstGeom prst="rect">
-                <a:avLst/>
-              </a:prstGeom>
-            </p:spPr>
-            <p:style>
-              <a:lnRef idx="2">
-                <a:schemeClr val="dk1"/>
-              </a:lnRef>
-              <a:fillRef idx="1">
-                <a:schemeClr val="lt1"/>
-              </a:fillRef>
-              <a:effectRef idx="0">
-                <a:schemeClr val="dk1"/>
-              </a:effectRef>
-              <a:fontRef idx="minor">
-                <a:schemeClr val="dk1"/>
-              </a:fontRef>
-            </p:style>
-            <p:txBody>
-              <a:bodyPr wrap="square" rtlCol="0">
-                <a:spAutoFit/>
-              </a:bodyPr>
-              <a:lstStyle/>
-              <a:p>
-                <a14:m>
-                  <m:oMath xmlns:m="http://schemas.openxmlformats.org/officeDocument/2006/math">
-                    <m:sSub>
-                      <m:sSubPr>
-                        <m:ctrlPr>
-                          <a:rPr lang="de-DE" i="1" smtClean="0">
-                            <a:latin typeface="Cambria Math" panose="02040503050406030204" pitchFamily="18" charset="0"/>
-                          </a:rPr>
-                        </m:ctrlPr>
-                      </m:sSubPr>
-                      <m:e>
-                        <m:r>
-                          <a:rPr lang="de-DE" b="0" i="1" smtClean="0">
-                            <a:latin typeface="Cambria Math" panose="02040503050406030204" pitchFamily="18" charset="0"/>
-                          </a:rPr>
-                          <m:t>𝑟</m:t>
-                        </m:r>
-                      </m:e>
-                      <m:sub>
-                        <m:r>
-                          <a:rPr lang="de-DE" b="0" i="1" smtClean="0">
-                            <a:latin typeface="Cambria Math" panose="02040503050406030204" pitchFamily="18" charset="0"/>
-                          </a:rPr>
-                          <m:t>𝑙𝑒𝑣𝑒𝑙𝑠</m:t>
-                        </m:r>
-                      </m:sub>
-                    </m:sSub>
-                    <m:r>
-                      <a:rPr lang="de-DE" b="0" i="1" smtClean="0">
-                        <a:latin typeface="Cambria Math" panose="02040503050406030204" pitchFamily="18" charset="0"/>
-                      </a:rPr>
-                      <m:t>=[0.3 0.5 0.7]</m:t>
-                    </m:r>
-                  </m:oMath>
-                </a14:m>
-                <a:r>
-                  <a:rPr lang="de-DE" dirty="0"/>
-                  <a:t>			</a:t>
-                </a:r>
-                <a14:m>
-                  <m:oMath xmlns:m="http://schemas.openxmlformats.org/officeDocument/2006/math">
-                    <m:sSub>
-                      <m:sSubPr>
-                        <m:ctrlPr>
-                          <a:rPr lang="de-DE" i="1" smtClean="0">
-                            <a:latin typeface="Cambria Math" panose="02040503050406030204" pitchFamily="18" charset="0"/>
-                          </a:rPr>
-                        </m:ctrlPr>
-                      </m:sSubPr>
-                      <m:e>
-                        <m:r>
-                          <a:rPr lang="de-DE" b="0" i="1" smtClean="0">
-                            <a:latin typeface="Cambria Math" panose="02040503050406030204" pitchFamily="18" charset="0"/>
-                          </a:rPr>
-                          <m:t>𝑝</m:t>
-                        </m:r>
-                      </m:e>
-                      <m:sub>
-                        <m:r>
-                          <a:rPr lang="de-DE" b="0" i="1" smtClean="0">
-                            <a:latin typeface="Cambria Math" panose="02040503050406030204" pitchFamily="18" charset="0"/>
-                          </a:rPr>
-                          <m:t>𝑉𝑃𝑃</m:t>
-                        </m:r>
-                      </m:sub>
-                    </m:sSub>
-                    <m:r>
-                      <a:rPr lang="de-DE" b="0" i="1" smtClean="0">
-                        <a:latin typeface="Cambria Math" panose="02040503050406030204" pitchFamily="18" charset="0"/>
-                      </a:rPr>
-                      <m:t>=0.2</m:t>
-                    </m:r>
-                    <m:nary>
-                      <m:naryPr>
-                        <m:chr m:val="∑"/>
-                        <m:supHide m:val="on"/>
-                        <m:ctrlPr>
-                          <a:rPr lang="de-DE" i="1">
-                            <a:latin typeface="Cambria Math" panose="02040503050406030204" pitchFamily="18" charset="0"/>
-                          </a:rPr>
-                        </m:ctrlPr>
-                      </m:naryPr>
-                      <m:sub>
-                        <m:r>
-                          <m:rPr>
-                            <m:brk m:alnAt="7"/>
-                          </m:rPr>
-                          <a:rPr lang="de-DE" i="1">
-                            <a:latin typeface="Cambria Math" panose="02040503050406030204" pitchFamily="18" charset="0"/>
-                          </a:rPr>
-                          <m:t>𝑛</m:t>
-                        </m:r>
-                        <m:r>
-                          <a:rPr lang="de-DE" i="1">
-                            <a:latin typeface="Cambria Math" panose="02040503050406030204" pitchFamily="18" charset="0"/>
-                            <a:ea typeface="Cambria Math" panose="02040503050406030204" pitchFamily="18" charset="0"/>
-                          </a:rPr>
-                          <m:t>∈</m:t>
-                        </m:r>
-                        <m:r>
-                          <a:rPr lang="de-DE" i="1">
-                            <a:latin typeface="Cambria Math" panose="02040503050406030204" pitchFamily="18" charset="0"/>
-                          </a:rPr>
-                          <m:t>𝑁</m:t>
-                        </m:r>
-                      </m:sub>
-                      <m:sup/>
-                      <m:e>
-                        <m:sSub>
-                          <m:sSubPr>
-                            <m:ctrlPr>
-                              <a:rPr lang="de-DE" i="1">
-                                <a:latin typeface="Cambria Math" panose="02040503050406030204" pitchFamily="18" charset="0"/>
-                              </a:rPr>
-                            </m:ctrlPr>
-                          </m:sSubPr>
-                          <m:e>
-                            <m:r>
-                              <a:rPr lang="de-DE" i="1">
-                                <a:latin typeface="Cambria Math" panose="02040503050406030204" pitchFamily="18" charset="0"/>
-                              </a:rPr>
-                              <m:t>𝑝</m:t>
-                            </m:r>
-                          </m:e>
-                          <m:sub>
-                            <m:r>
-                              <a:rPr lang="de-DE" i="1">
-                                <a:latin typeface="Cambria Math" panose="02040503050406030204" pitchFamily="18" charset="0"/>
-                              </a:rPr>
-                              <m:t>𝑛</m:t>
-                            </m:r>
-                          </m:sub>
-                        </m:sSub>
-                      </m:e>
-                    </m:nary>
-                  </m:oMath>
-                </a14:m>
-                <a:endParaRPr lang="de-DE" dirty="0"/>
-              </a:p>
-            </p:txBody>
-          </p:sp>
-        </mc:Choice>
-        <mc:Fallback xmlns="">
-          <p:sp>
-            <p:nvSpPr>
-              <p:cNvPr id="5" name="Textfeld 4">
-                <a:extLst>
-                  <a:ext uri="{FF2B5EF4-FFF2-40B4-BE49-F238E27FC236}">
-                    <a16:creationId xmlns:a16="http://schemas.microsoft.com/office/drawing/2014/main" id="{A93E0594-905A-49B5-9E5C-048D1C931095}"/>
-                  </a:ext>
-                </a:extLst>
-              </p:cNvPr>
-              <p:cNvSpPr txBox="1">
-                <a:spLocks noRot="1" noChangeAspect="1" noMove="1" noResize="1" noEditPoints="1" noAdjustHandles="1" noChangeArrowheads="1" noChangeShapeType="1" noTextEdit="1"/>
-              </p:cNvSpPr>
-              <p:nvPr/>
-            </p:nvSpPr>
-            <p:spPr>
-              <a:xfrm>
-                <a:off x="1775520" y="5805264"/>
-                <a:ext cx="8136904" cy="369332"/>
-              </a:xfrm>
-              <a:prstGeom prst="rect">
-                <a:avLst/>
-              </a:prstGeom>
-              <a:blipFill>
-                <a:blip r:embed="rId3"/>
-                <a:stretch>
-                  <a:fillRect t="-107692" b="-170769"/>
-                </a:stretch>
-              </a:blipFill>
-            </p:spPr>
-            <p:txBody>
-              <a:bodyPr/>
-              <a:lstStyle/>
-              <a:p>
-                <a:r>
-                  <a:rPr lang="de-DE">
-                    <a:noFill/>
-                  </a:rPr>
-                  <a:t> </a:t>
-                </a:r>
-              </a:p>
-            </p:txBody>
-          </p:sp>
-        </mc:Fallback>
-      </mc:AlternateContent>
       <p:pic>
         <p:nvPicPr>
           <p:cNvPr id="6" name="Inhaltsplatzhalter 5">
@@ -12282,7 +12456,7 @@
           </p:nvPr>
         </p:nvPicPr>
         <p:blipFill rotWithShape="1">
-          <a:blip r:embed="rId4">
+          <a:blip r:embed="rId2">
             <a:extLst>
               <a:ext uri="{28A0092B-C50C-407E-A947-70E740481C1C}">
                 <a14:useLocalDpi xmlns:a14="http://schemas.microsoft.com/office/drawing/2010/main" val="0"/>
@@ -12299,6 +12473,438 @@
           </a:xfrm>
         </p:spPr>
       </p:pic>
+      <mc:AlternateContent xmlns:mc="http://schemas.openxmlformats.org/markup-compatibility/2006">
+        <mc:Choice xmlns:a14="http://schemas.microsoft.com/office/drawing/2010/main" Requires="a14">
+          <p:sp>
+            <p:nvSpPr>
+              <p:cNvPr id="7" name="Inhaltsplatzhalter 3">
+                <a:extLst>
+                  <a:ext uri="{FF2B5EF4-FFF2-40B4-BE49-F238E27FC236}">
+                    <a16:creationId xmlns:a16="http://schemas.microsoft.com/office/drawing/2014/main" id="{51D807BB-5408-40AD-97F0-754716AE2233}"/>
+                  </a:ext>
+                </a:extLst>
+              </p:cNvPr>
+              <p:cNvSpPr txBox="1">
+                <a:spLocks/>
+              </p:cNvSpPr>
+              <p:nvPr/>
+            </p:nvSpPr>
+            <p:spPr bwMode="auto">
+              <a:xfrm>
+                <a:off x="2063552" y="5798286"/>
+                <a:ext cx="7515819" cy="540276"/>
+              </a:xfrm>
+              <a:prstGeom prst="roundRect">
+                <a:avLst/>
+              </a:prstGeom>
+              <a:ln w="25400" cap="flat" cmpd="sng" algn="ctr">
+                <a:solidFill>
+                  <a:schemeClr val="accent1"/>
+                </a:solidFill>
+                <a:prstDash val="solid"/>
+                <a:miter lim="800000"/>
+                <a:headEnd/>
+                <a:tailEnd/>
+              </a:ln>
+            </p:spPr>
+            <p:style>
+              <a:lnRef idx="2">
+                <a:schemeClr val="accent1"/>
+              </a:lnRef>
+              <a:fillRef idx="1">
+                <a:schemeClr val="lt1"/>
+              </a:fillRef>
+              <a:effectRef idx="0">
+                <a:schemeClr val="accent1"/>
+              </a:effectRef>
+              <a:fontRef idx="minor">
+                <a:schemeClr val="dk1"/>
+              </a:fontRef>
+            </p:style>
+            <p:txBody>
+              <a:bodyPr rot="0" spcFirstLastPara="0" vertOverflow="overflow" horzOverflow="overflow" vert="horz" wrap="square" lIns="91440" tIns="45720" rIns="91440" bIns="45720" numCol="1" spcCol="0" rtlCol="0" fromWordArt="0" anchor="ctr" anchorCtr="0" forceAA="0" compatLnSpc="1">
+                <a:prstTxWarp prst="textNoShape">
+                  <a:avLst/>
+                </a:prstTxWarp>
+                <a:noAutofit/>
+              </a:bodyPr>
+              <a:lstStyle>
+                <a:lvl1pPr marL="180000" indent="0" algn="l" rtl="0" eaLnBrk="1" fontAlgn="base" hangingPunct="1">
+                  <a:lnSpc>
+                    <a:spcPct val="130000"/>
+                  </a:lnSpc>
+                  <a:spcBef>
+                    <a:spcPts val="200"/>
+                  </a:spcBef>
+                  <a:spcAft>
+                    <a:spcPts val="230"/>
+                  </a:spcAft>
+                  <a:buFont typeface="Wingdings" pitchFamily="2" charset="2"/>
+                  <a:buNone/>
+                  <a:defRPr sz="2000" b="1">
+                    <a:solidFill>
+                      <a:schemeClr val="dk1"/>
+                    </a:solidFill>
+                    <a:latin typeface="+mn-lt"/>
+                    <a:ea typeface="+mn-ea"/>
+                    <a:cs typeface="+mn-cs"/>
+                  </a:defRPr>
+                </a:lvl1pPr>
+                <a:lvl2pPr marL="444500" indent="-261938" algn="l" rtl="0" eaLnBrk="1" fontAlgn="base" hangingPunct="1">
+                  <a:lnSpc>
+                    <a:spcPct val="130000"/>
+                  </a:lnSpc>
+                  <a:spcBef>
+                    <a:spcPts val="200"/>
+                  </a:spcBef>
+                  <a:spcAft>
+                    <a:spcPts val="230"/>
+                  </a:spcAft>
+                  <a:buSzPct val="125000"/>
+                  <a:buFont typeface="Arial" pitchFamily="34" charset="0"/>
+                  <a:buChar char="•"/>
+                  <a:defRPr sz="2000">
+                    <a:solidFill>
+                      <a:schemeClr val="dk1"/>
+                    </a:solidFill>
+                    <a:latin typeface="+mn-lt"/>
+                    <a:ea typeface="+mn-ea"/>
+                    <a:cs typeface="+mn-cs"/>
+                  </a:defRPr>
+                </a:lvl2pPr>
+                <a:lvl3pPr marL="576000" indent="-216000" algn="l" rtl="0" eaLnBrk="1" fontAlgn="base" hangingPunct="1">
+                  <a:lnSpc>
+                    <a:spcPct val="130000"/>
+                  </a:lnSpc>
+                  <a:spcBef>
+                    <a:spcPts val="200"/>
+                  </a:spcBef>
+                  <a:spcAft>
+                    <a:spcPts val="230"/>
+                  </a:spcAft>
+                  <a:buFont typeface="Arial" pitchFamily="34" charset="0"/>
+                  <a:buChar char="•"/>
+                  <a:defRPr>
+                    <a:solidFill>
+                      <a:schemeClr val="dk1"/>
+                    </a:solidFill>
+                    <a:latin typeface="+mn-lt"/>
+                    <a:ea typeface="+mn-ea"/>
+                    <a:cs typeface="+mn-cs"/>
+                  </a:defRPr>
+                </a:lvl3pPr>
+                <a:lvl4pPr marL="756000" indent="-173038" algn="l" rtl="0" eaLnBrk="1" fontAlgn="base" hangingPunct="1">
+                  <a:lnSpc>
+                    <a:spcPct val="130000"/>
+                  </a:lnSpc>
+                  <a:spcBef>
+                    <a:spcPts val="200"/>
+                  </a:spcBef>
+                  <a:spcAft>
+                    <a:spcPts val="230"/>
+                  </a:spcAft>
+                  <a:buFont typeface="Arial" pitchFamily="34" charset="0"/>
+                  <a:buChar char="•"/>
+                  <a:defRPr sz="1600">
+                    <a:solidFill>
+                      <a:schemeClr val="dk1"/>
+                    </a:solidFill>
+                    <a:latin typeface="+mn-lt"/>
+                    <a:ea typeface="+mn-ea"/>
+                    <a:cs typeface="+mn-cs"/>
+                  </a:defRPr>
+                </a:lvl4pPr>
+                <a:lvl5pPr marL="972000" indent="-188913" algn="l" rtl="0" eaLnBrk="1" fontAlgn="base" hangingPunct="1">
+                  <a:lnSpc>
+                    <a:spcPct val="130000"/>
+                  </a:lnSpc>
+                  <a:spcBef>
+                    <a:spcPts val="200"/>
+                  </a:spcBef>
+                  <a:spcAft>
+                    <a:spcPts val="230"/>
+                  </a:spcAft>
+                  <a:buFont typeface="Arial" pitchFamily="34" charset="0"/>
+                  <a:buChar char="•"/>
+                  <a:defRPr sz="1600">
+                    <a:solidFill>
+                      <a:schemeClr val="dk1"/>
+                    </a:solidFill>
+                    <a:latin typeface="+mn-lt"/>
+                    <a:ea typeface="+mn-ea"/>
+                    <a:cs typeface="+mn-cs"/>
+                  </a:defRPr>
+                </a:lvl5pPr>
+                <a:lvl6pPr marL="1365250" indent="-188913" algn="l" rtl="0" eaLnBrk="1" fontAlgn="base" hangingPunct="1">
+                  <a:spcBef>
+                    <a:spcPct val="20000"/>
+                  </a:spcBef>
+                  <a:spcAft>
+                    <a:spcPct val="0"/>
+                  </a:spcAft>
+                  <a:buFont typeface="Wingdings" pitchFamily="2" charset="2"/>
+                  <a:buChar char="§"/>
+                  <a:defRPr sz="1600">
+                    <a:solidFill>
+                      <a:schemeClr val="dk1"/>
+                    </a:solidFill>
+                    <a:latin typeface="+mn-lt"/>
+                    <a:ea typeface="+mn-ea"/>
+                    <a:cs typeface="+mn-cs"/>
+                  </a:defRPr>
+                </a:lvl6pPr>
+                <a:lvl7pPr marL="1822450" indent="-188913" algn="l" rtl="0" eaLnBrk="1" fontAlgn="base" hangingPunct="1">
+                  <a:spcBef>
+                    <a:spcPct val="20000"/>
+                  </a:spcBef>
+                  <a:spcAft>
+                    <a:spcPct val="0"/>
+                  </a:spcAft>
+                  <a:buFont typeface="Wingdings" pitchFamily="2" charset="2"/>
+                  <a:buChar char="§"/>
+                  <a:defRPr sz="1600">
+                    <a:solidFill>
+                      <a:schemeClr val="dk1"/>
+                    </a:solidFill>
+                    <a:latin typeface="+mn-lt"/>
+                    <a:ea typeface="+mn-ea"/>
+                    <a:cs typeface="+mn-cs"/>
+                  </a:defRPr>
+                </a:lvl7pPr>
+                <a:lvl8pPr marL="2279650" indent="-188913" algn="l" rtl="0" eaLnBrk="1" fontAlgn="base" hangingPunct="1">
+                  <a:spcBef>
+                    <a:spcPct val="20000"/>
+                  </a:spcBef>
+                  <a:spcAft>
+                    <a:spcPct val="0"/>
+                  </a:spcAft>
+                  <a:buFont typeface="Wingdings" pitchFamily="2" charset="2"/>
+                  <a:buChar char="§"/>
+                  <a:defRPr sz="1600">
+                    <a:solidFill>
+                      <a:schemeClr val="dk1"/>
+                    </a:solidFill>
+                    <a:latin typeface="+mn-lt"/>
+                    <a:ea typeface="+mn-ea"/>
+                    <a:cs typeface="+mn-cs"/>
+                  </a:defRPr>
+                </a:lvl8pPr>
+                <a:lvl9pPr marL="2736850" indent="-188913" algn="l" rtl="0" eaLnBrk="1" fontAlgn="base" hangingPunct="1">
+                  <a:spcBef>
+                    <a:spcPct val="20000"/>
+                  </a:spcBef>
+                  <a:spcAft>
+                    <a:spcPct val="0"/>
+                  </a:spcAft>
+                  <a:buFont typeface="Wingdings" pitchFamily="2" charset="2"/>
+                  <a:buChar char="§"/>
+                  <a:defRPr sz="1600">
+                    <a:solidFill>
+                      <a:schemeClr val="dk1"/>
+                    </a:solidFill>
+                    <a:latin typeface="+mn-lt"/>
+                    <a:ea typeface="+mn-ea"/>
+                    <a:cs typeface="+mn-cs"/>
+                  </a:defRPr>
+                </a:lvl9pPr>
+              </a:lstStyle>
+              <a:p>
+                <a14:m>
+                  <m:oMath xmlns:m="http://schemas.openxmlformats.org/officeDocument/2006/math">
+                    <m:sSub>
+                      <m:sSubPr>
+                        <m:ctrlPr>
+                          <a:rPr lang="de-DE" sz="1800" i="1">
+                            <a:latin typeface="Cambria Math" panose="02040503050406030204" pitchFamily="18" charset="0"/>
+                          </a:rPr>
+                        </m:ctrlPr>
+                      </m:sSubPr>
+                      <m:e>
+                        <m:r>
+                          <a:rPr lang="de-DE" sz="1800" b="0" i="1">
+                            <a:latin typeface="Cambria Math" panose="02040503050406030204" pitchFamily="18" charset="0"/>
+                          </a:rPr>
+                          <m:t>𝑟</m:t>
+                        </m:r>
+                      </m:e>
+                      <m:sub>
+                        <m:r>
+                          <a:rPr lang="de-DE" sz="1800" b="0" i="1">
+                            <a:latin typeface="Cambria Math" panose="02040503050406030204" pitchFamily="18" charset="0"/>
+                          </a:rPr>
+                          <m:t>𝑙𝑒𝑣𝑒𝑙𝑠</m:t>
+                        </m:r>
+                      </m:sub>
+                    </m:sSub>
+                    <m:r>
+                      <a:rPr lang="de-DE" sz="1800" b="0" i="1">
+                        <a:latin typeface="Cambria Math" panose="02040503050406030204" pitchFamily="18" charset="0"/>
+                      </a:rPr>
+                      <m:t>=[0.3 0.5 0.7]</m:t>
+                    </m:r>
+                  </m:oMath>
+                </a14:m>
+                <a:r>
+                  <a:rPr lang="de-DE" sz="1800" dirty="0"/>
+                  <a:t>			</a:t>
+                </a:r>
+                <a14:m>
+                  <m:oMath xmlns:m="http://schemas.openxmlformats.org/officeDocument/2006/math">
+                    <m:sSub>
+                      <m:sSubPr>
+                        <m:ctrlPr>
+                          <a:rPr lang="de-DE" sz="1800" i="1">
+                            <a:latin typeface="Cambria Math" panose="02040503050406030204" pitchFamily="18" charset="0"/>
+                          </a:rPr>
+                        </m:ctrlPr>
+                      </m:sSubPr>
+                      <m:e>
+                        <m:r>
+                          <a:rPr lang="de-DE" sz="1800" b="0" i="1">
+                            <a:latin typeface="Cambria Math" panose="02040503050406030204" pitchFamily="18" charset="0"/>
+                          </a:rPr>
+                          <m:t>𝑝</m:t>
+                        </m:r>
+                      </m:e>
+                      <m:sub>
+                        <m:r>
+                          <a:rPr lang="de-DE" sz="1800" b="0" i="1">
+                            <a:latin typeface="Cambria Math" panose="02040503050406030204" pitchFamily="18" charset="0"/>
+                          </a:rPr>
+                          <m:t>𝑉𝑃𝑃</m:t>
+                        </m:r>
+                      </m:sub>
+                    </m:sSub>
+                    <m:r>
+                      <a:rPr lang="de-DE" sz="1800" b="0" i="1">
+                        <a:latin typeface="Cambria Math" panose="02040503050406030204" pitchFamily="18" charset="0"/>
+                      </a:rPr>
+                      <m:t>=0.2</m:t>
+                    </m:r>
+                    <m:nary>
+                      <m:naryPr>
+                        <m:chr m:val="∑"/>
+                        <m:supHide m:val="on"/>
+                        <m:ctrlPr>
+                          <a:rPr lang="de-DE" sz="1800" i="1">
+                            <a:latin typeface="Cambria Math" panose="02040503050406030204" pitchFamily="18" charset="0"/>
+                          </a:rPr>
+                        </m:ctrlPr>
+                      </m:naryPr>
+                      <m:sub>
+                        <m:r>
+                          <m:rPr>
+                            <m:brk m:alnAt="7"/>
+                          </m:rPr>
+                          <a:rPr lang="de-DE" sz="1800" i="1">
+                            <a:latin typeface="Cambria Math" panose="02040503050406030204" pitchFamily="18" charset="0"/>
+                          </a:rPr>
+                          <m:t>𝑛</m:t>
+                        </m:r>
+                        <m:r>
+                          <a:rPr lang="de-DE" sz="1800" i="1">
+                            <a:latin typeface="Cambria Math" panose="02040503050406030204" pitchFamily="18" charset="0"/>
+                            <a:ea typeface="Cambria Math" panose="02040503050406030204" pitchFamily="18" charset="0"/>
+                          </a:rPr>
+                          <m:t>∈</m:t>
+                        </m:r>
+                        <m:r>
+                          <a:rPr lang="de-DE" sz="1800" i="1">
+                            <a:latin typeface="Cambria Math" panose="02040503050406030204" pitchFamily="18" charset="0"/>
+                          </a:rPr>
+                          <m:t>𝑁</m:t>
+                        </m:r>
+                      </m:sub>
+                      <m:sup/>
+                      <m:e>
+                        <m:sSub>
+                          <m:sSubPr>
+                            <m:ctrlPr>
+                              <a:rPr lang="de-DE" sz="1800" i="1">
+                                <a:latin typeface="Cambria Math" panose="02040503050406030204" pitchFamily="18" charset="0"/>
+                              </a:rPr>
+                            </m:ctrlPr>
+                          </m:sSubPr>
+                          <m:e>
+                            <m:r>
+                              <a:rPr lang="de-DE" sz="1800" i="1">
+                                <a:latin typeface="Cambria Math" panose="02040503050406030204" pitchFamily="18" charset="0"/>
+                              </a:rPr>
+                              <m:t>𝑝</m:t>
+                            </m:r>
+                          </m:e>
+                          <m:sub>
+                            <m:r>
+                              <a:rPr lang="de-DE" sz="1800" i="1">
+                                <a:latin typeface="Cambria Math" panose="02040503050406030204" pitchFamily="18" charset="0"/>
+                              </a:rPr>
+                              <m:t>𝑛</m:t>
+                            </m:r>
+                          </m:sub>
+                        </m:sSub>
+                      </m:e>
+                    </m:nary>
+                  </m:oMath>
+                </a14:m>
+                <a:endParaRPr lang="de-DE" sz="1800" dirty="0"/>
+              </a:p>
+            </p:txBody>
+          </p:sp>
+        </mc:Choice>
+        <mc:Fallback>
+          <p:sp>
+            <p:nvSpPr>
+              <p:cNvPr id="7" name="Inhaltsplatzhalter 3">
+                <a:extLst>
+                  <a:ext uri="{FF2B5EF4-FFF2-40B4-BE49-F238E27FC236}">
+                    <a16:creationId xmlns:a16="http://schemas.microsoft.com/office/drawing/2014/main" id="{51D807BB-5408-40AD-97F0-754716AE2233}"/>
+                  </a:ext>
+                </a:extLst>
+              </p:cNvPr>
+              <p:cNvSpPr txBox="1">
+                <a:spLocks noRot="1" noChangeAspect="1" noMove="1" noResize="1" noEditPoints="1" noAdjustHandles="1" noChangeArrowheads="1" noChangeShapeType="1" noTextEdit="1"/>
+              </p:cNvSpPr>
+              <p:nvPr/>
+            </p:nvSpPr>
+            <p:spPr bwMode="auto">
+              <a:xfrm>
+                <a:off x="2063552" y="5798286"/>
+                <a:ext cx="7515819" cy="540276"/>
+              </a:xfrm>
+              <a:prstGeom prst="roundRect">
+                <a:avLst/>
+              </a:prstGeom>
+              <a:blipFill>
+                <a:blip r:embed="rId3"/>
+                <a:stretch>
+                  <a:fillRect t="-54839" b="-109677"/>
+                </a:stretch>
+              </a:blipFill>
+              <a:ln w="25400" cap="flat" cmpd="sng" algn="ctr">
+                <a:solidFill>
+                  <a:schemeClr val="accent1"/>
+                </a:solidFill>
+                <a:prstDash val="solid"/>
+                <a:miter lim="800000"/>
+                <a:headEnd/>
+                <a:tailEnd/>
+              </a:ln>
+            </p:spPr>
+            <p:txBody>
+              <a:bodyPr/>
+              <a:lstStyle/>
+              <a:p>
+                <a:r>
+                  <a:rPr lang="de-DE">
+                    <a:noFill/>
+                  </a:rPr>
+                  <a:t> </a:t>
+                </a:r>
+              </a:p>
+            </p:txBody>
+          </p:sp>
+        </mc:Fallback>
+      </mc:AlternateContent>
     </p:spTree>
     <p:extLst>
       <p:ext uri="{BB962C8B-B14F-4D97-AF65-F5344CB8AC3E}">
@@ -12467,290 +13073,6 @@
           </a:p>
         </p:txBody>
       </p:sp>
-      <mc:AlternateContent xmlns:mc="http://schemas.openxmlformats.org/markup-compatibility/2006" xmlns:a14="http://schemas.microsoft.com/office/drawing/2010/main">
-        <mc:Choice Requires="a14">
-          <p:sp>
-            <p:nvSpPr>
-              <p:cNvPr id="4" name="Textfeld 3">
-                <a:extLst>
-                  <a:ext uri="{FF2B5EF4-FFF2-40B4-BE49-F238E27FC236}">
-                    <a16:creationId xmlns:a16="http://schemas.microsoft.com/office/drawing/2014/main" id="{7A58D031-449B-408E-AFD1-720CFBDE0269}"/>
-                  </a:ext>
-                </a:extLst>
-              </p:cNvPr>
-              <p:cNvSpPr txBox="1"/>
-              <p:nvPr/>
-            </p:nvSpPr>
-            <p:spPr>
-              <a:xfrm>
-                <a:off x="1775520" y="5805264"/>
-                <a:ext cx="8136904" cy="923330"/>
-              </a:xfrm>
-              <a:prstGeom prst="rect">
-                <a:avLst/>
-              </a:prstGeom>
-            </p:spPr>
-            <p:style>
-              <a:lnRef idx="2">
-                <a:schemeClr val="dk1"/>
-              </a:lnRef>
-              <a:fillRef idx="1">
-                <a:schemeClr val="lt1"/>
-              </a:fillRef>
-              <a:effectRef idx="0">
-                <a:schemeClr val="dk1"/>
-              </a:effectRef>
-              <a:fontRef idx="minor">
-                <a:schemeClr val="dk1"/>
-              </a:fontRef>
-            </p:style>
-            <p:txBody>
-              <a:bodyPr wrap="square" rtlCol="0">
-                <a:spAutoFit/>
-              </a:bodyPr>
-              <a:lstStyle/>
-              <a:p>
-                <a14:m>
-                  <m:oMath xmlns:m="http://schemas.openxmlformats.org/officeDocument/2006/math">
-                    <m:sSub>
-                      <m:sSubPr>
-                        <m:ctrlPr>
-                          <a:rPr lang="de-DE" i="1" smtClean="0">
-                            <a:latin typeface="Cambria Math" panose="02040503050406030204" pitchFamily="18" charset="0"/>
-                          </a:rPr>
-                        </m:ctrlPr>
-                      </m:sSubPr>
-                      <m:e>
-                        <m:r>
-                          <a:rPr lang="de-DE" b="0" i="1" smtClean="0">
-                            <a:latin typeface="Cambria Math" panose="02040503050406030204" pitchFamily="18" charset="0"/>
-                          </a:rPr>
-                          <m:t>𝑟</m:t>
-                        </m:r>
-                      </m:e>
-                      <m:sub>
-                        <m:r>
-                          <a:rPr lang="de-DE" b="0" i="1" smtClean="0">
-                            <a:latin typeface="Cambria Math" panose="02040503050406030204" pitchFamily="18" charset="0"/>
-                          </a:rPr>
-                          <m:t>𝑙𝑒𝑣𝑒𝑙𝑠</m:t>
-                        </m:r>
-                      </m:sub>
-                    </m:sSub>
-                    <m:r>
-                      <a:rPr lang="de-DE" b="0" i="1" smtClean="0">
-                        <a:latin typeface="Cambria Math" panose="02040503050406030204" pitchFamily="18" charset="0"/>
-                      </a:rPr>
-                      <m:t>=[0.4 0.5 0.6]</m:t>
-                    </m:r>
-                  </m:oMath>
-                </a14:m>
-                <a:r>
-                  <a:rPr lang="de-DE" dirty="0"/>
-                  <a:t>			</a:t>
-                </a:r>
-                <a14:m>
-                  <m:oMath xmlns:m="http://schemas.openxmlformats.org/officeDocument/2006/math">
-                    <m:sSub>
-                      <m:sSubPr>
-                        <m:ctrlPr>
-                          <a:rPr lang="de-DE" i="1" smtClean="0">
-                            <a:latin typeface="Cambria Math" panose="02040503050406030204" pitchFamily="18" charset="0"/>
-                          </a:rPr>
-                        </m:ctrlPr>
-                      </m:sSubPr>
-                      <m:e>
-                        <m:r>
-                          <a:rPr lang="de-DE" b="0" i="1" smtClean="0">
-                            <a:latin typeface="Cambria Math" panose="02040503050406030204" pitchFamily="18" charset="0"/>
-                          </a:rPr>
-                          <m:t>𝑝</m:t>
-                        </m:r>
-                      </m:e>
-                      <m:sub>
-                        <m:r>
-                          <a:rPr lang="de-DE" b="0" i="1" smtClean="0">
-                            <a:latin typeface="Cambria Math" panose="02040503050406030204" pitchFamily="18" charset="0"/>
-                          </a:rPr>
-                          <m:t>𝑉𝑃𝑃</m:t>
-                        </m:r>
-                      </m:sub>
-                    </m:sSub>
-                    <m:r>
-                      <a:rPr lang="de-DE" b="0" i="1" smtClean="0">
-                        <a:latin typeface="Cambria Math" panose="02040503050406030204" pitchFamily="18" charset="0"/>
-                      </a:rPr>
-                      <m:t>=0.2</m:t>
-                    </m:r>
-                    <m:nary>
-                      <m:naryPr>
-                        <m:chr m:val="∑"/>
-                        <m:supHide m:val="on"/>
-                        <m:ctrlPr>
-                          <a:rPr lang="de-DE" i="1">
-                            <a:latin typeface="Cambria Math" panose="02040503050406030204" pitchFamily="18" charset="0"/>
-                          </a:rPr>
-                        </m:ctrlPr>
-                      </m:naryPr>
-                      <m:sub>
-                        <m:r>
-                          <m:rPr>
-                            <m:brk m:alnAt="7"/>
-                          </m:rPr>
-                          <a:rPr lang="de-DE" i="1">
-                            <a:latin typeface="Cambria Math" panose="02040503050406030204" pitchFamily="18" charset="0"/>
-                          </a:rPr>
-                          <m:t>𝑛</m:t>
-                        </m:r>
-                        <m:r>
-                          <a:rPr lang="de-DE" i="1">
-                            <a:latin typeface="Cambria Math" panose="02040503050406030204" pitchFamily="18" charset="0"/>
-                            <a:ea typeface="Cambria Math" panose="02040503050406030204" pitchFamily="18" charset="0"/>
-                          </a:rPr>
-                          <m:t>∈</m:t>
-                        </m:r>
-                        <m:r>
-                          <a:rPr lang="de-DE" i="1">
-                            <a:latin typeface="Cambria Math" panose="02040503050406030204" pitchFamily="18" charset="0"/>
-                          </a:rPr>
-                          <m:t>𝑁</m:t>
-                        </m:r>
-                      </m:sub>
-                      <m:sup/>
-                      <m:e>
-                        <m:sSub>
-                          <m:sSubPr>
-                            <m:ctrlPr>
-                              <a:rPr lang="de-DE" i="1">
-                                <a:latin typeface="Cambria Math" panose="02040503050406030204" pitchFamily="18" charset="0"/>
-                              </a:rPr>
-                            </m:ctrlPr>
-                          </m:sSubPr>
-                          <m:e>
-                            <m:r>
-                              <a:rPr lang="de-DE" i="1">
-                                <a:latin typeface="Cambria Math" panose="02040503050406030204" pitchFamily="18" charset="0"/>
-                              </a:rPr>
-                              <m:t>𝑝</m:t>
-                            </m:r>
-                          </m:e>
-                          <m:sub>
-                            <m:r>
-                              <a:rPr lang="de-DE" i="1">
-                                <a:latin typeface="Cambria Math" panose="02040503050406030204" pitchFamily="18" charset="0"/>
-                              </a:rPr>
-                              <m:t>𝑛</m:t>
-                            </m:r>
-                          </m:sub>
-                        </m:sSub>
-                      </m:e>
-                    </m:nary>
-                  </m:oMath>
-                </a14:m>
-                <a:endParaRPr lang="de-DE" dirty="0"/>
-              </a:p>
-              <a:p>
-                <a:endParaRPr lang="de-DE" dirty="0"/>
-              </a:p>
-              <a:p>
-                <a:r>
-                  <a:rPr lang="de-DE" dirty="0"/>
-                  <a:t>Link </a:t>
-                </a:r>
-                <a:r>
-                  <a:rPr lang="de-DE" dirty="0" err="1"/>
-                  <a:t>reliability</a:t>
-                </a:r>
-                <a:r>
-                  <a:rPr lang="de-DE" dirty="0"/>
-                  <a:t> </a:t>
-                </a:r>
-                <a14:m>
-                  <m:oMath xmlns:m="http://schemas.openxmlformats.org/officeDocument/2006/math">
-                    <m:sSub>
-                      <m:sSubPr>
-                        <m:ctrlPr>
-                          <a:rPr lang="de-DE" i="1" smtClean="0">
-                            <a:latin typeface="Cambria Math" panose="02040503050406030204" pitchFamily="18" charset="0"/>
-                          </a:rPr>
-                        </m:ctrlPr>
-                      </m:sSubPr>
-                      <m:e>
-                        <m:r>
-                          <a:rPr lang="de-DE" b="0" i="1" smtClean="0">
-                            <a:latin typeface="Cambria Math" panose="02040503050406030204" pitchFamily="18" charset="0"/>
-                          </a:rPr>
-                          <m:t>𝑟</m:t>
-                        </m:r>
-                      </m:e>
-                      <m:sub>
-                        <m:r>
-                          <a:rPr lang="de-DE" b="0" i="1" smtClean="0">
-                            <a:latin typeface="Cambria Math" panose="02040503050406030204" pitchFamily="18" charset="0"/>
-                          </a:rPr>
-                          <m:t>𝑙</m:t>
-                        </m:r>
-                      </m:sub>
-                    </m:sSub>
-                    <m:r>
-                      <a:rPr lang="de-DE" b="0" i="1" smtClean="0">
-                        <a:latin typeface="Cambria Math" panose="02040503050406030204" pitchFamily="18" charset="0"/>
-                        <a:ea typeface="Cambria Math" panose="02040503050406030204" pitchFamily="18" charset="0"/>
-                      </a:rPr>
-                      <m:t>∈[98%, 100%]</m:t>
-                    </m:r>
-                  </m:oMath>
-                </a14:m>
-                <a:endParaRPr lang="de-DE" dirty="0"/>
-              </a:p>
-            </p:txBody>
-          </p:sp>
-        </mc:Choice>
-        <mc:Fallback xmlns="">
-          <p:sp>
-            <p:nvSpPr>
-              <p:cNvPr id="4" name="Textfeld 3">
-                <a:extLst>
-                  <a:ext uri="{FF2B5EF4-FFF2-40B4-BE49-F238E27FC236}">
-                    <a16:creationId xmlns:a16="http://schemas.microsoft.com/office/drawing/2014/main" id="{7A58D031-449B-408E-AFD1-720CFBDE0269}"/>
-                  </a:ext>
-                </a:extLst>
-              </p:cNvPr>
-              <p:cNvSpPr txBox="1">
-                <a:spLocks noRot="1" noChangeAspect="1" noMove="1" noResize="1" noEditPoints="1" noAdjustHandles="1" noChangeArrowheads="1" noChangeShapeType="1" noTextEdit="1"/>
-              </p:cNvSpPr>
-              <p:nvPr/>
-            </p:nvSpPr>
-            <p:spPr>
-              <a:xfrm>
-                <a:off x="1775520" y="5805264"/>
-                <a:ext cx="8136904" cy="923330"/>
-              </a:xfrm>
-              <a:prstGeom prst="rect">
-                <a:avLst/>
-              </a:prstGeom>
-              <a:blipFill>
-                <a:blip r:embed="rId2"/>
-                <a:stretch>
-                  <a:fillRect l="-448" t="-44872" b="-12821"/>
-                </a:stretch>
-              </a:blipFill>
-            </p:spPr>
-            <p:txBody>
-              <a:bodyPr/>
-              <a:lstStyle/>
-              <a:p>
-                <a:r>
-                  <a:rPr lang="de-DE">
-                    <a:noFill/>
-                  </a:rPr>
-                  <a:t> </a:t>
-                </a:r>
-              </a:p>
-            </p:txBody>
-          </p:sp>
-        </mc:Fallback>
-      </mc:AlternateContent>
       <p:pic>
         <p:nvPicPr>
           <p:cNvPr id="5" name="Grafik 4">
@@ -12766,7 +13088,7 @@
           <p:nvPr/>
         </p:nvPicPr>
         <p:blipFill rotWithShape="1">
-          <a:blip r:embed="rId3">
+          <a:blip r:embed="rId2">
             <a:extLst>
               <a:ext uri="{28A0092B-C50C-407E-A947-70E740481C1C}">
                 <a14:useLocalDpi xmlns:a14="http://schemas.microsoft.com/office/drawing/2010/main" val="0"/>
@@ -12786,6 +13108,489 @@
           </a:prstGeom>
         </p:spPr>
       </p:pic>
+      <mc:AlternateContent xmlns:mc="http://schemas.openxmlformats.org/markup-compatibility/2006">
+        <mc:Choice xmlns:a14="http://schemas.microsoft.com/office/drawing/2010/main" Requires="a14">
+          <p:sp>
+            <p:nvSpPr>
+              <p:cNvPr id="7" name="Inhaltsplatzhalter 3">
+                <a:extLst>
+                  <a:ext uri="{FF2B5EF4-FFF2-40B4-BE49-F238E27FC236}">
+                    <a16:creationId xmlns:a16="http://schemas.microsoft.com/office/drawing/2014/main" id="{D1FC9ACD-7A25-40D6-B646-E380FDDA2DC1}"/>
+                  </a:ext>
+                </a:extLst>
+              </p:cNvPr>
+              <p:cNvSpPr txBox="1">
+                <a:spLocks/>
+              </p:cNvSpPr>
+              <p:nvPr/>
+            </p:nvSpPr>
+            <p:spPr bwMode="auto">
+              <a:xfrm>
+                <a:off x="2063552" y="5798286"/>
+                <a:ext cx="7515819" cy="923330"/>
+              </a:xfrm>
+              <a:prstGeom prst="roundRect">
+                <a:avLst/>
+              </a:prstGeom>
+              <a:ln w="25400" cap="flat" cmpd="sng" algn="ctr">
+                <a:solidFill>
+                  <a:schemeClr val="accent1"/>
+                </a:solidFill>
+                <a:prstDash val="solid"/>
+                <a:miter lim="800000"/>
+                <a:headEnd/>
+                <a:tailEnd/>
+              </a:ln>
+            </p:spPr>
+            <p:style>
+              <a:lnRef idx="2">
+                <a:schemeClr val="accent1"/>
+              </a:lnRef>
+              <a:fillRef idx="1">
+                <a:schemeClr val="lt1"/>
+              </a:fillRef>
+              <a:effectRef idx="0">
+                <a:schemeClr val="accent1"/>
+              </a:effectRef>
+              <a:fontRef idx="minor">
+                <a:schemeClr val="dk1"/>
+              </a:fontRef>
+            </p:style>
+            <p:txBody>
+              <a:bodyPr rot="0" spcFirstLastPara="0" vertOverflow="overflow" horzOverflow="overflow" vert="horz" wrap="square" lIns="91440" tIns="45720" rIns="91440" bIns="45720" numCol="1" spcCol="0" rtlCol="0" fromWordArt="0" anchor="ctr" anchorCtr="0" forceAA="0" compatLnSpc="1">
+                <a:prstTxWarp prst="textNoShape">
+                  <a:avLst/>
+                </a:prstTxWarp>
+                <a:noAutofit/>
+              </a:bodyPr>
+              <a:lstStyle>
+                <a:lvl1pPr marL="180000" indent="0" algn="l" rtl="0" eaLnBrk="1" fontAlgn="base" hangingPunct="1">
+                  <a:lnSpc>
+                    <a:spcPct val="130000"/>
+                  </a:lnSpc>
+                  <a:spcBef>
+                    <a:spcPts val="200"/>
+                  </a:spcBef>
+                  <a:spcAft>
+                    <a:spcPts val="230"/>
+                  </a:spcAft>
+                  <a:buFont typeface="Wingdings" pitchFamily="2" charset="2"/>
+                  <a:buNone/>
+                  <a:defRPr sz="2000" b="1">
+                    <a:solidFill>
+                      <a:schemeClr val="dk1"/>
+                    </a:solidFill>
+                    <a:latin typeface="+mn-lt"/>
+                    <a:ea typeface="+mn-ea"/>
+                    <a:cs typeface="+mn-cs"/>
+                  </a:defRPr>
+                </a:lvl1pPr>
+                <a:lvl2pPr marL="444500" indent="-261938" algn="l" rtl="0" eaLnBrk="1" fontAlgn="base" hangingPunct="1">
+                  <a:lnSpc>
+                    <a:spcPct val="130000"/>
+                  </a:lnSpc>
+                  <a:spcBef>
+                    <a:spcPts val="200"/>
+                  </a:spcBef>
+                  <a:spcAft>
+                    <a:spcPts val="230"/>
+                  </a:spcAft>
+                  <a:buSzPct val="125000"/>
+                  <a:buFont typeface="Arial" pitchFamily="34" charset="0"/>
+                  <a:buChar char="•"/>
+                  <a:defRPr sz="2000">
+                    <a:solidFill>
+                      <a:schemeClr val="dk1"/>
+                    </a:solidFill>
+                    <a:latin typeface="+mn-lt"/>
+                    <a:ea typeface="+mn-ea"/>
+                    <a:cs typeface="+mn-cs"/>
+                  </a:defRPr>
+                </a:lvl2pPr>
+                <a:lvl3pPr marL="576000" indent="-216000" algn="l" rtl="0" eaLnBrk="1" fontAlgn="base" hangingPunct="1">
+                  <a:lnSpc>
+                    <a:spcPct val="130000"/>
+                  </a:lnSpc>
+                  <a:spcBef>
+                    <a:spcPts val="200"/>
+                  </a:spcBef>
+                  <a:spcAft>
+                    <a:spcPts val="230"/>
+                  </a:spcAft>
+                  <a:buFont typeface="Arial" pitchFamily="34" charset="0"/>
+                  <a:buChar char="•"/>
+                  <a:defRPr>
+                    <a:solidFill>
+                      <a:schemeClr val="dk1"/>
+                    </a:solidFill>
+                    <a:latin typeface="+mn-lt"/>
+                    <a:ea typeface="+mn-ea"/>
+                    <a:cs typeface="+mn-cs"/>
+                  </a:defRPr>
+                </a:lvl3pPr>
+                <a:lvl4pPr marL="756000" indent="-173038" algn="l" rtl="0" eaLnBrk="1" fontAlgn="base" hangingPunct="1">
+                  <a:lnSpc>
+                    <a:spcPct val="130000"/>
+                  </a:lnSpc>
+                  <a:spcBef>
+                    <a:spcPts val="200"/>
+                  </a:spcBef>
+                  <a:spcAft>
+                    <a:spcPts val="230"/>
+                  </a:spcAft>
+                  <a:buFont typeface="Arial" pitchFamily="34" charset="0"/>
+                  <a:buChar char="•"/>
+                  <a:defRPr sz="1600">
+                    <a:solidFill>
+                      <a:schemeClr val="dk1"/>
+                    </a:solidFill>
+                    <a:latin typeface="+mn-lt"/>
+                    <a:ea typeface="+mn-ea"/>
+                    <a:cs typeface="+mn-cs"/>
+                  </a:defRPr>
+                </a:lvl4pPr>
+                <a:lvl5pPr marL="972000" indent="-188913" algn="l" rtl="0" eaLnBrk="1" fontAlgn="base" hangingPunct="1">
+                  <a:lnSpc>
+                    <a:spcPct val="130000"/>
+                  </a:lnSpc>
+                  <a:spcBef>
+                    <a:spcPts val="200"/>
+                  </a:spcBef>
+                  <a:spcAft>
+                    <a:spcPts val="230"/>
+                  </a:spcAft>
+                  <a:buFont typeface="Arial" pitchFamily="34" charset="0"/>
+                  <a:buChar char="•"/>
+                  <a:defRPr sz="1600">
+                    <a:solidFill>
+                      <a:schemeClr val="dk1"/>
+                    </a:solidFill>
+                    <a:latin typeface="+mn-lt"/>
+                    <a:ea typeface="+mn-ea"/>
+                    <a:cs typeface="+mn-cs"/>
+                  </a:defRPr>
+                </a:lvl5pPr>
+                <a:lvl6pPr marL="1365250" indent="-188913" algn="l" rtl="0" eaLnBrk="1" fontAlgn="base" hangingPunct="1">
+                  <a:spcBef>
+                    <a:spcPct val="20000"/>
+                  </a:spcBef>
+                  <a:spcAft>
+                    <a:spcPct val="0"/>
+                  </a:spcAft>
+                  <a:buFont typeface="Wingdings" pitchFamily="2" charset="2"/>
+                  <a:buChar char="§"/>
+                  <a:defRPr sz="1600">
+                    <a:solidFill>
+                      <a:schemeClr val="dk1"/>
+                    </a:solidFill>
+                    <a:latin typeface="+mn-lt"/>
+                    <a:ea typeface="+mn-ea"/>
+                    <a:cs typeface="+mn-cs"/>
+                  </a:defRPr>
+                </a:lvl6pPr>
+                <a:lvl7pPr marL="1822450" indent="-188913" algn="l" rtl="0" eaLnBrk="1" fontAlgn="base" hangingPunct="1">
+                  <a:spcBef>
+                    <a:spcPct val="20000"/>
+                  </a:spcBef>
+                  <a:spcAft>
+                    <a:spcPct val="0"/>
+                  </a:spcAft>
+                  <a:buFont typeface="Wingdings" pitchFamily="2" charset="2"/>
+                  <a:buChar char="§"/>
+                  <a:defRPr sz="1600">
+                    <a:solidFill>
+                      <a:schemeClr val="dk1"/>
+                    </a:solidFill>
+                    <a:latin typeface="+mn-lt"/>
+                    <a:ea typeface="+mn-ea"/>
+                    <a:cs typeface="+mn-cs"/>
+                  </a:defRPr>
+                </a:lvl7pPr>
+                <a:lvl8pPr marL="2279650" indent="-188913" algn="l" rtl="0" eaLnBrk="1" fontAlgn="base" hangingPunct="1">
+                  <a:spcBef>
+                    <a:spcPct val="20000"/>
+                  </a:spcBef>
+                  <a:spcAft>
+                    <a:spcPct val="0"/>
+                  </a:spcAft>
+                  <a:buFont typeface="Wingdings" pitchFamily="2" charset="2"/>
+                  <a:buChar char="§"/>
+                  <a:defRPr sz="1600">
+                    <a:solidFill>
+                      <a:schemeClr val="dk1"/>
+                    </a:solidFill>
+                    <a:latin typeface="+mn-lt"/>
+                    <a:ea typeface="+mn-ea"/>
+                    <a:cs typeface="+mn-cs"/>
+                  </a:defRPr>
+                </a:lvl8pPr>
+                <a:lvl9pPr marL="2736850" indent="-188913" algn="l" rtl="0" eaLnBrk="1" fontAlgn="base" hangingPunct="1">
+                  <a:spcBef>
+                    <a:spcPct val="20000"/>
+                  </a:spcBef>
+                  <a:spcAft>
+                    <a:spcPct val="0"/>
+                  </a:spcAft>
+                  <a:buFont typeface="Wingdings" pitchFamily="2" charset="2"/>
+                  <a:buChar char="§"/>
+                  <a:defRPr sz="1600">
+                    <a:solidFill>
+                      <a:schemeClr val="dk1"/>
+                    </a:solidFill>
+                    <a:latin typeface="+mn-lt"/>
+                    <a:ea typeface="+mn-ea"/>
+                    <a:cs typeface="+mn-cs"/>
+                  </a:defRPr>
+                </a:lvl9pPr>
+              </a:lstStyle>
+              <a:p>
+                <a14:m>
+                  <m:oMath xmlns:m="http://schemas.openxmlformats.org/officeDocument/2006/math">
+                    <m:sSub>
+                      <m:sSubPr>
+                        <m:ctrlPr>
+                          <a:rPr lang="de-DE" sz="1800" i="1" smtClean="0">
+                            <a:latin typeface="Cambria Math" panose="02040503050406030204" pitchFamily="18" charset="0"/>
+                          </a:rPr>
+                        </m:ctrlPr>
+                      </m:sSubPr>
+                      <m:e>
+                        <m:r>
+                          <a:rPr lang="de-DE" sz="1800" b="0" i="1">
+                            <a:latin typeface="Cambria Math" panose="02040503050406030204" pitchFamily="18" charset="0"/>
+                          </a:rPr>
+                          <m:t>𝑟</m:t>
+                        </m:r>
+                      </m:e>
+                      <m:sub>
+                        <m:r>
+                          <a:rPr lang="de-DE" sz="1800" b="0" i="1">
+                            <a:latin typeface="Cambria Math" panose="02040503050406030204" pitchFamily="18" charset="0"/>
+                          </a:rPr>
+                          <m:t>𝑙𝑒𝑣𝑒𝑙𝑠</m:t>
+                        </m:r>
+                      </m:sub>
+                    </m:sSub>
+                    <m:r>
+                      <a:rPr lang="de-DE" sz="1800" b="0" i="1">
+                        <a:latin typeface="Cambria Math" panose="02040503050406030204" pitchFamily="18" charset="0"/>
+                      </a:rPr>
+                      <m:t>=[0.4 0.5 0.6]</m:t>
+                    </m:r>
+                  </m:oMath>
+                </a14:m>
+                <a:r>
+                  <a:rPr lang="de-DE" sz="1800" dirty="0"/>
+                  <a:t>			</a:t>
+                </a:r>
+                <a14:m>
+                  <m:oMath xmlns:m="http://schemas.openxmlformats.org/officeDocument/2006/math">
+                    <m:sSub>
+                      <m:sSubPr>
+                        <m:ctrlPr>
+                          <a:rPr lang="de-DE" sz="1800" i="1">
+                            <a:latin typeface="Cambria Math" panose="02040503050406030204" pitchFamily="18" charset="0"/>
+                          </a:rPr>
+                        </m:ctrlPr>
+                      </m:sSubPr>
+                      <m:e>
+                        <m:r>
+                          <a:rPr lang="de-DE" sz="1800" b="0" i="1">
+                            <a:latin typeface="Cambria Math" panose="02040503050406030204" pitchFamily="18" charset="0"/>
+                          </a:rPr>
+                          <m:t>𝑝</m:t>
+                        </m:r>
+                      </m:e>
+                      <m:sub>
+                        <m:r>
+                          <a:rPr lang="de-DE" sz="1800" b="0" i="1">
+                            <a:latin typeface="Cambria Math" panose="02040503050406030204" pitchFamily="18" charset="0"/>
+                          </a:rPr>
+                          <m:t>𝑉𝑃𝑃</m:t>
+                        </m:r>
+                      </m:sub>
+                    </m:sSub>
+                    <m:r>
+                      <a:rPr lang="de-DE" sz="1800" b="0" i="1">
+                        <a:latin typeface="Cambria Math" panose="02040503050406030204" pitchFamily="18" charset="0"/>
+                      </a:rPr>
+                      <m:t>=0.2</m:t>
+                    </m:r>
+                    <m:nary>
+                      <m:naryPr>
+                        <m:chr m:val="∑"/>
+                        <m:supHide m:val="on"/>
+                        <m:ctrlPr>
+                          <a:rPr lang="de-DE" sz="1800" i="1">
+                            <a:latin typeface="Cambria Math" panose="02040503050406030204" pitchFamily="18" charset="0"/>
+                          </a:rPr>
+                        </m:ctrlPr>
+                      </m:naryPr>
+                      <m:sub>
+                        <m:r>
+                          <m:rPr>
+                            <m:brk m:alnAt="7"/>
+                          </m:rPr>
+                          <a:rPr lang="de-DE" sz="1800" i="1">
+                            <a:latin typeface="Cambria Math" panose="02040503050406030204" pitchFamily="18" charset="0"/>
+                          </a:rPr>
+                          <m:t>𝑛</m:t>
+                        </m:r>
+                        <m:r>
+                          <a:rPr lang="de-DE" sz="1800" i="1">
+                            <a:latin typeface="Cambria Math" panose="02040503050406030204" pitchFamily="18" charset="0"/>
+                            <a:ea typeface="Cambria Math" panose="02040503050406030204" pitchFamily="18" charset="0"/>
+                          </a:rPr>
+                          <m:t>∈</m:t>
+                        </m:r>
+                        <m:r>
+                          <a:rPr lang="de-DE" sz="1800" i="1">
+                            <a:latin typeface="Cambria Math" panose="02040503050406030204" pitchFamily="18" charset="0"/>
+                          </a:rPr>
+                          <m:t>𝑁</m:t>
+                        </m:r>
+                      </m:sub>
+                      <m:sup/>
+                      <m:e>
+                        <m:sSub>
+                          <m:sSubPr>
+                            <m:ctrlPr>
+                              <a:rPr lang="de-DE" sz="1800" i="1">
+                                <a:latin typeface="Cambria Math" panose="02040503050406030204" pitchFamily="18" charset="0"/>
+                              </a:rPr>
+                            </m:ctrlPr>
+                          </m:sSubPr>
+                          <m:e>
+                            <m:r>
+                              <a:rPr lang="de-DE" sz="1800" i="1">
+                                <a:latin typeface="Cambria Math" panose="02040503050406030204" pitchFamily="18" charset="0"/>
+                              </a:rPr>
+                              <m:t>𝑝</m:t>
+                            </m:r>
+                          </m:e>
+                          <m:sub>
+                            <m:r>
+                              <a:rPr lang="de-DE" sz="1800" i="1">
+                                <a:latin typeface="Cambria Math" panose="02040503050406030204" pitchFamily="18" charset="0"/>
+                              </a:rPr>
+                              <m:t>𝑛</m:t>
+                            </m:r>
+                          </m:sub>
+                        </m:sSub>
+                      </m:e>
+                    </m:nary>
+                  </m:oMath>
+                </a14:m>
+                <a:endParaRPr lang="de-DE" sz="1800" dirty="0"/>
+              </a:p>
+              <a:p>
+                <a:r>
+                  <a:rPr lang="de-DE" sz="1600" b="0" dirty="0"/>
+                  <a:t>Link </a:t>
+                </a:r>
+                <a:r>
+                  <a:rPr lang="de-DE" sz="1600" b="0" dirty="0" err="1"/>
+                  <a:t>reliability</a:t>
+                </a:r>
+                <a:r>
+                  <a:rPr lang="de-DE" sz="1600" b="0" dirty="0"/>
+                  <a:t> </a:t>
+                </a:r>
+                <a14:m>
+                  <m:oMath xmlns:m="http://schemas.openxmlformats.org/officeDocument/2006/math">
+                    <m:sSub>
+                      <m:sSubPr>
+                        <m:ctrlPr>
+                          <a:rPr lang="de-DE" sz="1600" i="1" smtClean="0">
+                            <a:latin typeface="Cambria Math" panose="02040503050406030204" pitchFamily="18" charset="0"/>
+                          </a:rPr>
+                        </m:ctrlPr>
+                      </m:sSubPr>
+                      <m:e>
+                        <m:r>
+                          <a:rPr lang="de-DE" sz="1600" b="0" i="1" smtClean="0">
+                            <a:latin typeface="Cambria Math" panose="02040503050406030204" pitchFamily="18" charset="0"/>
+                          </a:rPr>
+                          <m:t>𝑟</m:t>
+                        </m:r>
+                      </m:e>
+                      <m:sub>
+                        <m:r>
+                          <a:rPr lang="de-DE" sz="1600" b="0" i="1" smtClean="0">
+                            <a:latin typeface="Cambria Math" panose="02040503050406030204" pitchFamily="18" charset="0"/>
+                          </a:rPr>
+                          <m:t>𝑙</m:t>
+                        </m:r>
+                      </m:sub>
+                    </m:sSub>
+                    <m:r>
+                      <a:rPr lang="de-DE" sz="1600" b="0" i="1" smtClean="0">
+                        <a:latin typeface="Cambria Math" panose="02040503050406030204" pitchFamily="18" charset="0"/>
+                        <a:ea typeface="Cambria Math" panose="02040503050406030204" pitchFamily="18" charset="0"/>
+                      </a:rPr>
+                      <m:t>∈[98%, 100%]</m:t>
+                    </m:r>
+                  </m:oMath>
+                </a14:m>
+                <a:endParaRPr lang="de-DE" sz="1600" dirty="0"/>
+              </a:p>
+            </p:txBody>
+          </p:sp>
+        </mc:Choice>
+        <mc:Fallback>
+          <p:sp>
+            <p:nvSpPr>
+              <p:cNvPr id="7" name="Inhaltsplatzhalter 3">
+                <a:extLst>
+                  <a:ext uri="{FF2B5EF4-FFF2-40B4-BE49-F238E27FC236}">
+                    <a16:creationId xmlns:a16="http://schemas.microsoft.com/office/drawing/2014/main" id="{D1FC9ACD-7A25-40D6-B646-E380FDDA2DC1}"/>
+                  </a:ext>
+                </a:extLst>
+              </p:cNvPr>
+              <p:cNvSpPr txBox="1">
+                <a:spLocks noRot="1" noChangeAspect="1" noMove="1" noResize="1" noEditPoints="1" noAdjustHandles="1" noChangeArrowheads="1" noChangeShapeType="1" noTextEdit="1"/>
+              </p:cNvSpPr>
+              <p:nvPr/>
+            </p:nvSpPr>
+            <p:spPr bwMode="auto">
+              <a:xfrm>
+                <a:off x="2063552" y="5798286"/>
+                <a:ext cx="7515819" cy="923330"/>
+              </a:xfrm>
+              <a:prstGeom prst="roundRect">
+                <a:avLst/>
+              </a:prstGeom>
+              <a:blipFill>
+                <a:blip r:embed="rId3"/>
+                <a:stretch>
+                  <a:fillRect t="-32051" b="-25641"/>
+                </a:stretch>
+              </a:blipFill>
+              <a:ln w="25400" cap="flat" cmpd="sng" algn="ctr">
+                <a:solidFill>
+                  <a:schemeClr val="accent1"/>
+                </a:solidFill>
+                <a:prstDash val="solid"/>
+                <a:miter lim="800000"/>
+                <a:headEnd/>
+                <a:tailEnd/>
+              </a:ln>
+            </p:spPr>
+            <p:txBody>
+              <a:bodyPr/>
+              <a:lstStyle/>
+              <a:p>
+                <a:r>
+                  <a:rPr lang="de-DE">
+                    <a:noFill/>
+                  </a:rPr>
+                  <a:t> </a:t>
+                </a:r>
+              </a:p>
+            </p:txBody>
+          </p:sp>
+        </mc:Fallback>
+      </mc:AlternateContent>
     </p:spTree>
     <p:extLst>
       <p:ext uri="{BB962C8B-B14F-4D97-AF65-F5344CB8AC3E}">
@@ -21402,6 +22207,12 @@
                       </m:sSubPr>
                       <m:e>
                         <m:r>
+                          <a:rPr lang="de-DE" sz="1800" b="0" i="1" smtClean="0">
+                            <a:latin typeface="Cambria Math" panose="02040503050406030204" pitchFamily="18" charset="0"/>
+                          </a:rPr>
+                          <m:t> </m:t>
+                        </m:r>
+                        <m:r>
                           <a:rPr lang="de-DE" sz="1800" b="0" i="1">
                             <a:latin typeface="Cambria Math" panose="02040503050406030204" pitchFamily="18" charset="0"/>
                             <a:ea typeface="Cambria Math" panose="02040503050406030204" pitchFamily="18" charset="0"/>
@@ -22218,35 +23029,35 @@
               <a:bodyPr/>
               <a:lstStyle/>
               <a:p>
-                <a:pPr marL="314062" lvl="2" indent="0">
+                <a:pPr marL="182562" lvl="1" indent="0">
                   <a:buNone/>
                 </a:pPr>
                 <a:r>
-                  <a:rPr lang="de-DE" sz="2000" b="1" kern="0" dirty="0"/>
+                  <a:rPr lang="de-DE" b="1" kern="0" dirty="0"/>
                   <a:t>Calculate </a:t>
                 </a:r>
                 <a:r>
-                  <a:rPr lang="de-DE" sz="2000" b="1" kern="0" dirty="0" err="1"/>
+                  <a:rPr lang="de-DE" b="1" kern="0" dirty="0" err="1"/>
                   <a:t>the</a:t>
                 </a:r>
                 <a:r>
-                  <a:rPr lang="de-DE" sz="2000" b="1" kern="0" dirty="0"/>
+                  <a:rPr lang="de-DE" b="1" kern="0" dirty="0"/>
                   <a:t> </a:t>
                 </a:r>
                 <a:r>
-                  <a:rPr lang="de-DE" sz="2000" b="1" kern="0" dirty="0" err="1"/>
+                  <a:rPr lang="de-DE" b="1" kern="0" dirty="0" err="1"/>
                   <a:t>reliability</a:t>
                 </a:r>
                 <a:r>
-                  <a:rPr lang="de-DE" sz="2000" b="1" kern="0" dirty="0"/>
+                  <a:rPr lang="de-DE" b="1" kern="0" dirty="0"/>
                   <a:t> </a:t>
                 </a:r>
                 <a:r>
-                  <a:rPr lang="de-DE" sz="2000" b="1" kern="0" dirty="0" err="1"/>
+                  <a:rPr lang="de-DE" b="1" kern="0" dirty="0" err="1"/>
                   <a:t>constraint</a:t>
                 </a:r>
                 <a:r>
-                  <a:rPr lang="de-DE" sz="2000" b="1" kern="0" dirty="0"/>
+                  <a:rPr lang="de-DE" b="1" kern="0" dirty="0"/>
                   <a:t>:</a:t>
                 </a:r>
               </a:p>
@@ -22765,6 +23576,9 @@
                   </a:spcAft>
                 </a:pPr>
                 <a:endParaRPr lang="de-DE" sz="1400" b="0" dirty="0"/>
+              </a:p>
+              <a:p>
+                <a:endParaRPr lang="de-DE" dirty="0"/>
               </a:p>
               <a:p>
                 <a:r>
